--- a/3@CSDS/PPT/2@divide_conquer_2.pptx
+++ b/3@CSDS/PPT/2@divide_conquer_2.pptx
@@ -5,45 +5,45 @@
     <p:sldMasterId id="2147483648" r:id="rId1"/>
   </p:sldMasterIdLst>
   <p:notesMasterIdLst>
-    <p:notesMasterId r:id="rId35"/>
+    <p:notesMasterId r:id="rId5"/>
   </p:notesMasterIdLst>
   <p:handoutMasterIdLst>
-    <p:handoutMasterId r:id="rId36"/>
+    <p:handoutMasterId r:id="rId37"/>
   </p:handoutMasterIdLst>
   <p:sldIdLst>
-    <p:sldId id="351" r:id="rId2"/>
-    <p:sldId id="256" r:id="rId3"/>
-    <p:sldId id="270" r:id="rId4"/>
-    <p:sldId id="257" r:id="rId5"/>
-    <p:sldId id="258" r:id="rId6"/>
-    <p:sldId id="273" r:id="rId7"/>
-    <p:sldId id="349" r:id="rId8"/>
-    <p:sldId id="346" r:id="rId9"/>
-    <p:sldId id="345" r:id="rId10"/>
-    <p:sldId id="261" r:id="rId11"/>
-    <p:sldId id="350" r:id="rId12"/>
-    <p:sldId id="271" r:id="rId13"/>
-    <p:sldId id="263" r:id="rId14"/>
-    <p:sldId id="264" r:id="rId15"/>
-    <p:sldId id="275" r:id="rId16"/>
-    <p:sldId id="277" r:id="rId17"/>
-    <p:sldId id="280" r:id="rId18"/>
-    <p:sldId id="336" r:id="rId19"/>
-    <p:sldId id="290" r:id="rId20"/>
-    <p:sldId id="295" r:id="rId21"/>
-    <p:sldId id="301" r:id="rId22"/>
-    <p:sldId id="308" r:id="rId23"/>
-    <p:sldId id="352" r:id="rId24"/>
-    <p:sldId id="353" r:id="rId25"/>
-    <p:sldId id="316" r:id="rId26"/>
-    <p:sldId id="325" r:id="rId27"/>
-    <p:sldId id="335" r:id="rId28"/>
-    <p:sldId id="337" r:id="rId29"/>
-    <p:sldId id="338" r:id="rId30"/>
-    <p:sldId id="341" r:id="rId31"/>
-    <p:sldId id="342" r:id="rId32"/>
-    <p:sldId id="265" r:id="rId33"/>
-    <p:sldId id="266" r:id="rId34"/>
+    <p:sldId id="351" r:id="rId3"/>
+    <p:sldId id="256" r:id="rId4"/>
+    <p:sldId id="270" r:id="rId6"/>
+    <p:sldId id="257" r:id="rId7"/>
+    <p:sldId id="258" r:id="rId8"/>
+    <p:sldId id="273" r:id="rId9"/>
+    <p:sldId id="349" r:id="rId10"/>
+    <p:sldId id="346" r:id="rId11"/>
+    <p:sldId id="345" r:id="rId12"/>
+    <p:sldId id="261" r:id="rId13"/>
+    <p:sldId id="350" r:id="rId14"/>
+    <p:sldId id="271" r:id="rId15"/>
+    <p:sldId id="263" r:id="rId16"/>
+    <p:sldId id="264" r:id="rId17"/>
+    <p:sldId id="275" r:id="rId18"/>
+    <p:sldId id="277" r:id="rId19"/>
+    <p:sldId id="280" r:id="rId20"/>
+    <p:sldId id="336" r:id="rId21"/>
+    <p:sldId id="290" r:id="rId22"/>
+    <p:sldId id="295" r:id="rId23"/>
+    <p:sldId id="301" r:id="rId24"/>
+    <p:sldId id="308" r:id="rId25"/>
+    <p:sldId id="352" r:id="rId26"/>
+    <p:sldId id="353" r:id="rId27"/>
+    <p:sldId id="316" r:id="rId28"/>
+    <p:sldId id="325" r:id="rId29"/>
+    <p:sldId id="335" r:id="rId30"/>
+    <p:sldId id="337" r:id="rId31"/>
+    <p:sldId id="338" r:id="rId32"/>
+    <p:sldId id="341" r:id="rId33"/>
+    <p:sldId id="342" r:id="rId34"/>
+    <p:sldId id="265" r:id="rId35"/>
+    <p:sldId id="266" r:id="rId36"/>
   </p:sldIdLst>
   <p:sldSz cx="9144000" cy="6858000" type="screen4x3"/>
   <p:notesSz cx="7315200" cy="9601200"/>
@@ -232,22 +232,6 @@
       </a:defRPr>
     </a:lvl9pPr>
   </p:defaultTextStyle>
-  <p:extLst>
-    <p:ext uri="{EFAFB233-063F-42B5-8137-9DF3F51BA10A}">
-      <p15:sldGuideLst xmlns:p15="http://schemas.microsoft.com/office/powerpoint/2012/main">
-        <p15:guide id="1" orient="horz" pos="2160">
-          <p15:clr>
-            <a:srgbClr val="A4A3A4"/>
-          </p15:clr>
-        </p15:guide>
-        <p15:guide id="2" pos="2880">
-          <p15:clr>
-            <a:srgbClr val="A4A3A4"/>
-          </p15:clr>
-        </p15:guide>
-      </p15:sldGuideLst>
-    </p:ext>
-  </p:extLst>
 </p:presentation>
 </file>
 
@@ -338,7 +322,6 @@
             <a:pPr lvl="0" algn="r" defTabSz="967105"/>
             <a:fld id="{9A0DB2DC-4C9A-4742-B13C-FB6460FD3503}" type="slidenum">
               <a:rPr lang="en-US" sz="1200"/>
-              <a:t>‹#›</a:t>
             </a:fld>
             <a:endParaRPr lang="en-US" sz="1200"/>
           </a:p>
@@ -372,6 +355,7 @@
               <a:rPr lang="en-US" altLang="zh-CN" sz="1800" b="1" i="1"/>
               <a:t>Design and Analysis of Algorithms</a:t>
             </a:r>
+            <a:endParaRPr lang="en-US" altLang="zh-CN" sz="1800" b="1" i="1"/>
           </a:p>
         </p:txBody>
       </p:sp>
@@ -403,6 +387,7 @@
               <a:rPr lang="en-US" altLang="zh-CN" sz="1800" b="1" i="1"/>
               <a:t>Chapter 4</a:t>
             </a:r>
+            <a:endParaRPr lang="en-US" altLang="zh-CN" sz="1800" b="1" i="1"/>
           </a:p>
         </p:txBody>
       </p:sp>
@@ -562,6 +547,7 @@
               <a:rPr lang="en-US" altLang="zh-CN" dirty="0"/>
               <a:t>Click to edit Master text styles</a:t>
             </a:r>
+            <a:endParaRPr lang="en-US" altLang="zh-CN" dirty="0"/>
           </a:p>
           <a:p>
             <a:pPr lvl="1"/>
@@ -569,6 +555,7 @@
               <a:rPr lang="en-US" altLang="zh-CN" dirty="0"/>
               <a:t>Second level</a:t>
             </a:r>
+            <a:endParaRPr lang="en-US" altLang="zh-CN" dirty="0"/>
           </a:p>
           <a:p>
             <a:pPr lvl="2"/>
@@ -576,6 +563,7 @@
               <a:rPr lang="en-US" altLang="zh-CN" dirty="0"/>
               <a:t>Third level</a:t>
             </a:r>
+            <a:endParaRPr lang="en-US" altLang="zh-CN" dirty="0"/>
           </a:p>
           <a:p>
             <a:pPr lvl="3"/>
@@ -583,6 +571,7 @@
               <a:rPr lang="en-US" altLang="zh-CN" dirty="0"/>
               <a:t>Fourth level</a:t>
             </a:r>
+            <a:endParaRPr lang="en-US" altLang="zh-CN" dirty="0"/>
           </a:p>
           <a:p>
             <a:pPr lvl="4"/>
@@ -590,6 +579,7 @@
               <a:rPr lang="en-US" altLang="zh-CN" dirty="0"/>
               <a:t>Fifth level</a:t>
             </a:r>
+            <a:endParaRPr lang="en-US" altLang="zh-CN" dirty="0"/>
           </a:p>
         </p:txBody>
       </p:sp>
@@ -655,7 +645,6 @@
             <a:pPr lvl="0" algn="r" defTabSz="967105"/>
             <a:fld id="{9A0DB2DC-4C9A-4742-B13C-FB6460FD3503}" type="slidenum">
               <a:rPr lang="en-US" sz="1200" dirty="0"/>
-              <a:t>‹#›</a:t>
             </a:fld>
             <a:endParaRPr lang="en-US" sz="1200" dirty="0"/>
           </a:p>
@@ -859,9 +848,7 @@
             <p:ph type="sldImg"/>
           </p:nvPr>
         </p:nvSpPr>
-        <p:spPr>
-          <a:ln/>
-        </p:spPr>
+        <p:spPr/>
       </p:sp>
       <p:sp>
         <p:nvSpPr>
@@ -873,9 +860,7 @@
             <p:ph type="body" idx="1"/>
           </p:nvPr>
         </p:nvSpPr>
-        <p:spPr>
-          <a:ln/>
-        </p:spPr>
+        <p:spPr/>
         <p:txBody>
           <a:bodyPr wrap="none" lIns="96653" tIns="48327" rIns="96653" bIns="48327" anchor="ctr"/>
           <a:lstStyle/>
@@ -903,7 +888,6 @@
             <a:pPr lvl="0" algn="r" defTabSz="967105"/>
             <a:fld id="{9A0DB2DC-4C9A-4742-B13C-FB6460FD3503}" type="slidenum">
               <a:rPr lang="en-US" sz="1200" dirty="0"/>
-              <a:t>1</a:t>
             </a:fld>
             <a:endParaRPr lang="en-US" sz="1200" dirty="0"/>
           </a:p>
@@ -944,9 +928,7 @@
             <p:ph type="sldImg"/>
           </p:nvPr>
         </p:nvSpPr>
-        <p:spPr>
-          <a:ln/>
-        </p:spPr>
+        <p:spPr/>
       </p:sp>
       <p:sp>
         <p:nvSpPr>
@@ -958,9 +940,7 @@
             <p:ph type="body" idx="1"/>
           </p:nvPr>
         </p:nvSpPr>
-        <p:spPr>
-          <a:ln/>
-        </p:spPr>
+        <p:spPr/>
         <p:txBody>
           <a:bodyPr wrap="none" lIns="96653" tIns="48327" rIns="96653" bIns="48327" anchor="ctr"/>
           <a:lstStyle/>
@@ -988,7 +968,6 @@
             <a:pPr lvl="0" algn="r" defTabSz="967105"/>
             <a:fld id="{9A0DB2DC-4C9A-4742-B13C-FB6460FD3503}" type="slidenum">
               <a:rPr lang="en-US" sz="1200" dirty="0"/>
-              <a:t>10</a:t>
             </a:fld>
             <a:endParaRPr lang="en-US" sz="1200" dirty="0"/>
           </a:p>
@@ -1029,9 +1008,7 @@
             <p:ph type="sldImg"/>
           </p:nvPr>
         </p:nvSpPr>
-        <p:spPr>
-          <a:ln/>
-        </p:spPr>
+        <p:spPr/>
       </p:sp>
       <p:sp>
         <p:nvSpPr>
@@ -1043,9 +1020,7 @@
             <p:ph type="body" idx="1"/>
           </p:nvPr>
         </p:nvSpPr>
-        <p:spPr>
-          <a:ln/>
-        </p:spPr>
+        <p:spPr/>
         <p:txBody>
           <a:bodyPr wrap="none" lIns="96653" tIns="48327" rIns="96653" bIns="48327" anchor="ctr"/>
           <a:lstStyle/>
@@ -1073,7 +1048,6 @@
             <a:pPr lvl="0" algn="r" defTabSz="967105"/>
             <a:fld id="{9A0DB2DC-4C9A-4742-B13C-FB6460FD3503}" type="slidenum">
               <a:rPr lang="en-US" sz="1200" dirty="0"/>
-              <a:t>11</a:t>
             </a:fld>
             <a:endParaRPr lang="en-US" sz="1200" dirty="0"/>
           </a:p>
@@ -1114,9 +1088,7 @@
             <p:ph type="sldImg"/>
           </p:nvPr>
         </p:nvSpPr>
-        <p:spPr>
-          <a:ln/>
-        </p:spPr>
+        <p:spPr/>
       </p:sp>
       <p:sp>
         <p:nvSpPr>
@@ -1128,9 +1100,7 @@
             <p:ph type="body" idx="1"/>
           </p:nvPr>
         </p:nvSpPr>
-        <p:spPr>
-          <a:ln/>
-        </p:spPr>
+        <p:spPr/>
         <p:txBody>
           <a:bodyPr wrap="none" lIns="96653" tIns="48327" rIns="96653" bIns="48327" anchor="ctr"/>
           <a:lstStyle/>
@@ -1158,7 +1128,6 @@
             <a:pPr lvl="0" algn="r" defTabSz="967105"/>
             <a:fld id="{9A0DB2DC-4C9A-4742-B13C-FB6460FD3503}" type="slidenum">
               <a:rPr lang="en-US" sz="1200" dirty="0"/>
-              <a:t>12</a:t>
             </a:fld>
             <a:endParaRPr lang="en-US" sz="1200" dirty="0"/>
           </a:p>
@@ -1199,9 +1168,7 @@
             <p:ph type="sldImg"/>
           </p:nvPr>
         </p:nvSpPr>
-        <p:spPr>
-          <a:ln/>
-        </p:spPr>
+        <p:spPr/>
       </p:sp>
       <p:sp>
         <p:nvSpPr>
@@ -1213,9 +1180,7 @@
             <p:ph type="body" idx="1"/>
           </p:nvPr>
         </p:nvSpPr>
-        <p:spPr>
-          <a:ln/>
-        </p:spPr>
+        <p:spPr/>
         <p:txBody>
           <a:bodyPr wrap="none" lIns="96653" tIns="48327" rIns="96653" bIns="48327" anchor="ctr"/>
           <a:lstStyle/>
@@ -1243,7 +1208,6 @@
             <a:pPr lvl="0" algn="r" defTabSz="967105"/>
             <a:fld id="{9A0DB2DC-4C9A-4742-B13C-FB6460FD3503}" type="slidenum">
               <a:rPr lang="en-US" sz="1200" dirty="0"/>
-              <a:t>13</a:t>
             </a:fld>
             <a:endParaRPr lang="en-US" sz="1200" dirty="0"/>
           </a:p>
@@ -1284,9 +1248,7 @@
             <p:ph type="sldImg"/>
           </p:nvPr>
         </p:nvSpPr>
-        <p:spPr>
-          <a:ln/>
-        </p:spPr>
+        <p:spPr/>
       </p:sp>
       <p:sp>
         <p:nvSpPr>
@@ -1298,9 +1260,7 @@
             <p:ph type="body" idx="1"/>
           </p:nvPr>
         </p:nvSpPr>
-        <p:spPr>
-          <a:ln/>
-        </p:spPr>
+        <p:spPr/>
         <p:txBody>
           <a:bodyPr wrap="none" lIns="96653" tIns="48327" rIns="96653" bIns="48327" anchor="ctr"/>
           <a:lstStyle/>
@@ -1328,7 +1288,6 @@
             <a:pPr lvl="0" algn="r" defTabSz="967105"/>
             <a:fld id="{9A0DB2DC-4C9A-4742-B13C-FB6460FD3503}" type="slidenum">
               <a:rPr lang="en-US" sz="1200" dirty="0"/>
-              <a:t>14</a:t>
             </a:fld>
             <a:endParaRPr lang="en-US" sz="1200" dirty="0"/>
           </a:p>
@@ -1369,9 +1328,7 @@
             <p:ph type="sldImg"/>
           </p:nvPr>
         </p:nvSpPr>
-        <p:spPr>
-          <a:ln/>
-        </p:spPr>
+        <p:spPr/>
       </p:sp>
       <p:sp>
         <p:nvSpPr>
@@ -1383,9 +1340,7 @@
             <p:ph type="body" idx="1"/>
           </p:nvPr>
         </p:nvSpPr>
-        <p:spPr>
-          <a:ln/>
-        </p:spPr>
+        <p:spPr/>
         <p:txBody>
           <a:bodyPr wrap="none" lIns="96653" tIns="48327" rIns="96653" bIns="48327" anchor="ctr"/>
           <a:lstStyle/>
@@ -1413,7 +1368,6 @@
             <a:pPr lvl="0" algn="r" defTabSz="967105"/>
             <a:fld id="{9A0DB2DC-4C9A-4742-B13C-FB6460FD3503}" type="slidenum">
               <a:rPr lang="en-US" sz="1200" dirty="0"/>
-              <a:t>15</a:t>
             </a:fld>
             <a:endParaRPr lang="en-US" sz="1200" dirty="0"/>
           </a:p>
@@ -1454,9 +1408,7 @@
             <p:ph type="sldImg"/>
           </p:nvPr>
         </p:nvSpPr>
-        <p:spPr>
-          <a:ln/>
-        </p:spPr>
+        <p:spPr/>
       </p:sp>
       <p:sp>
         <p:nvSpPr>
@@ -1468,9 +1420,7 @@
             <p:ph type="body" idx="1"/>
           </p:nvPr>
         </p:nvSpPr>
-        <p:spPr>
-          <a:ln/>
-        </p:spPr>
+        <p:spPr/>
         <p:txBody>
           <a:bodyPr wrap="none" lIns="96653" tIns="48327" rIns="96653" bIns="48327" anchor="ctr"/>
           <a:lstStyle/>
@@ -1498,7 +1448,6 @@
             <a:pPr lvl="0" algn="r" defTabSz="967105"/>
             <a:fld id="{9A0DB2DC-4C9A-4742-B13C-FB6460FD3503}" type="slidenum">
               <a:rPr lang="en-US" sz="1200" dirty="0"/>
-              <a:t>16</a:t>
             </a:fld>
             <a:endParaRPr lang="en-US" sz="1200" dirty="0"/>
           </a:p>
@@ -1539,9 +1488,7 @@
             <p:ph type="sldImg"/>
           </p:nvPr>
         </p:nvSpPr>
-        <p:spPr>
-          <a:ln/>
-        </p:spPr>
+        <p:spPr/>
       </p:sp>
       <p:sp>
         <p:nvSpPr>
@@ -1553,9 +1500,7 @@
             <p:ph type="body" idx="1"/>
           </p:nvPr>
         </p:nvSpPr>
-        <p:spPr>
-          <a:ln/>
-        </p:spPr>
+        <p:spPr/>
         <p:txBody>
           <a:bodyPr wrap="none" lIns="96653" tIns="48327" rIns="96653" bIns="48327" anchor="ctr"/>
           <a:lstStyle/>
@@ -1583,7 +1528,6 @@
             <a:pPr lvl="0" algn="r" defTabSz="967105"/>
             <a:fld id="{9A0DB2DC-4C9A-4742-B13C-FB6460FD3503}" type="slidenum">
               <a:rPr lang="en-US" sz="1200" dirty="0"/>
-              <a:t>17</a:t>
             </a:fld>
             <a:endParaRPr lang="en-US" sz="1200" dirty="0"/>
           </a:p>
@@ -1624,9 +1568,7 @@
             <p:ph type="sldImg"/>
           </p:nvPr>
         </p:nvSpPr>
-        <p:spPr>
-          <a:ln/>
-        </p:spPr>
+        <p:spPr/>
       </p:sp>
       <p:sp>
         <p:nvSpPr>
@@ -1638,9 +1580,7 @@
             <p:ph type="body" idx="1"/>
           </p:nvPr>
         </p:nvSpPr>
-        <p:spPr>
-          <a:ln/>
-        </p:spPr>
+        <p:spPr/>
         <p:txBody>
           <a:bodyPr wrap="none" lIns="96653" tIns="48327" rIns="96653" bIns="48327" anchor="ctr"/>
           <a:lstStyle/>
@@ -1668,7 +1608,6 @@
             <a:pPr lvl="0" algn="r" defTabSz="967105"/>
             <a:fld id="{9A0DB2DC-4C9A-4742-B13C-FB6460FD3503}" type="slidenum">
               <a:rPr lang="en-US" sz="1200" dirty="0"/>
-              <a:t>18</a:t>
             </a:fld>
             <a:endParaRPr lang="en-US" sz="1200" dirty="0"/>
           </a:p>
@@ -1709,9 +1648,7 @@
             <p:ph type="sldImg"/>
           </p:nvPr>
         </p:nvSpPr>
-        <p:spPr>
-          <a:ln/>
-        </p:spPr>
+        <p:spPr/>
       </p:sp>
       <p:sp>
         <p:nvSpPr>
@@ -1723,9 +1660,7 @@
             <p:ph type="body" idx="1"/>
           </p:nvPr>
         </p:nvSpPr>
-        <p:spPr>
-          <a:ln/>
-        </p:spPr>
+        <p:spPr/>
         <p:txBody>
           <a:bodyPr wrap="none" lIns="96653" tIns="48327" rIns="96653" bIns="48327" anchor="ctr"/>
           <a:lstStyle/>
@@ -1753,7 +1688,6 @@
             <a:pPr lvl="0" algn="r" defTabSz="967105"/>
             <a:fld id="{9A0DB2DC-4C9A-4742-B13C-FB6460FD3503}" type="slidenum">
               <a:rPr lang="en-US" sz="1200" dirty="0"/>
-              <a:t>19</a:t>
             </a:fld>
             <a:endParaRPr lang="en-US" sz="1200" dirty="0"/>
           </a:p>
@@ -1794,9 +1728,7 @@
             <p:ph type="sldImg"/>
           </p:nvPr>
         </p:nvSpPr>
-        <p:spPr>
-          <a:ln/>
-        </p:spPr>
+        <p:spPr/>
       </p:sp>
       <p:sp>
         <p:nvSpPr>
@@ -1808,9 +1740,7 @@
             <p:ph type="body" idx="1"/>
           </p:nvPr>
         </p:nvSpPr>
-        <p:spPr>
-          <a:ln/>
-        </p:spPr>
+        <p:spPr/>
         <p:txBody>
           <a:bodyPr wrap="none" lIns="96653" tIns="48327" rIns="96653" bIns="48327" anchor="ctr"/>
           <a:lstStyle/>
@@ -1838,7 +1768,6 @@
             <a:pPr lvl="0" algn="r" defTabSz="967105"/>
             <a:fld id="{9A0DB2DC-4C9A-4742-B13C-FB6460FD3503}" type="slidenum">
               <a:rPr lang="en-US" sz="1200" dirty="0"/>
-              <a:t>2</a:t>
             </a:fld>
             <a:endParaRPr lang="en-US" sz="1200" dirty="0"/>
           </a:p>
@@ -1879,9 +1808,7 @@
             <p:ph type="sldImg"/>
           </p:nvPr>
         </p:nvSpPr>
-        <p:spPr>
-          <a:ln/>
-        </p:spPr>
+        <p:spPr/>
       </p:sp>
       <p:sp>
         <p:nvSpPr>
@@ -1893,9 +1820,7 @@
             <p:ph type="body" idx="1"/>
           </p:nvPr>
         </p:nvSpPr>
-        <p:spPr>
-          <a:ln/>
-        </p:spPr>
+        <p:spPr/>
         <p:txBody>
           <a:bodyPr wrap="none" lIns="96653" tIns="48327" rIns="96653" bIns="48327" anchor="ctr"/>
           <a:lstStyle/>
@@ -1923,7 +1848,6 @@
             <a:pPr lvl="0" algn="r" defTabSz="967105"/>
             <a:fld id="{9A0DB2DC-4C9A-4742-B13C-FB6460FD3503}" type="slidenum">
               <a:rPr lang="en-US" sz="1200" dirty="0"/>
-              <a:t>20</a:t>
             </a:fld>
             <a:endParaRPr lang="en-US" sz="1200" dirty="0"/>
           </a:p>
@@ -1964,9 +1888,7 @@
             <p:ph type="sldImg"/>
           </p:nvPr>
         </p:nvSpPr>
-        <p:spPr>
-          <a:ln/>
-        </p:spPr>
+        <p:spPr/>
       </p:sp>
       <p:sp>
         <p:nvSpPr>
@@ -1978,9 +1900,7 @@
             <p:ph type="body" idx="1"/>
           </p:nvPr>
         </p:nvSpPr>
-        <p:spPr>
-          <a:ln/>
-        </p:spPr>
+        <p:spPr/>
         <p:txBody>
           <a:bodyPr wrap="none" lIns="96653" tIns="48327" rIns="96653" bIns="48327" anchor="ctr"/>
           <a:lstStyle/>
@@ -2008,7 +1928,6 @@
             <a:pPr lvl="0" algn="r" defTabSz="967105"/>
             <a:fld id="{9A0DB2DC-4C9A-4742-B13C-FB6460FD3503}" type="slidenum">
               <a:rPr lang="en-US" sz="1200" dirty="0"/>
-              <a:t>21</a:t>
             </a:fld>
             <a:endParaRPr lang="en-US" sz="1200" dirty="0"/>
           </a:p>
@@ -2049,9 +1968,7 @@
             <p:ph type="sldImg"/>
           </p:nvPr>
         </p:nvSpPr>
-        <p:spPr>
-          <a:ln/>
-        </p:spPr>
+        <p:spPr/>
       </p:sp>
       <p:sp>
         <p:nvSpPr>
@@ -2063,9 +1980,7 @@
             <p:ph type="body" idx="1"/>
           </p:nvPr>
         </p:nvSpPr>
-        <p:spPr>
-          <a:ln/>
-        </p:spPr>
+        <p:spPr/>
         <p:txBody>
           <a:bodyPr wrap="none" lIns="96653" tIns="48327" rIns="96653" bIns="48327" anchor="ctr"/>
           <a:lstStyle/>
@@ -2093,7 +2008,6 @@
             <a:pPr lvl="0" algn="r" defTabSz="967105"/>
             <a:fld id="{9A0DB2DC-4C9A-4742-B13C-FB6460FD3503}" type="slidenum">
               <a:rPr lang="en-US" sz="1200" dirty="0"/>
-              <a:t>24</a:t>
             </a:fld>
             <a:endParaRPr lang="en-US" sz="1200" dirty="0"/>
           </a:p>
@@ -2134,9 +2048,7 @@
             <p:ph type="sldImg"/>
           </p:nvPr>
         </p:nvSpPr>
-        <p:spPr>
-          <a:ln/>
-        </p:spPr>
+        <p:spPr/>
       </p:sp>
       <p:sp>
         <p:nvSpPr>
@@ -2148,9 +2060,7 @@
             <p:ph type="body" idx="1"/>
           </p:nvPr>
         </p:nvSpPr>
-        <p:spPr>
-          <a:ln/>
-        </p:spPr>
+        <p:spPr/>
         <p:txBody>
           <a:bodyPr wrap="none" lIns="96653" tIns="48327" rIns="96653" bIns="48327" anchor="ctr"/>
           <a:lstStyle/>
@@ -2178,7 +2088,6 @@
             <a:pPr lvl="0" algn="r" defTabSz="967105"/>
             <a:fld id="{9A0DB2DC-4C9A-4742-B13C-FB6460FD3503}" type="slidenum">
               <a:rPr lang="en-US" sz="1200" dirty="0"/>
-              <a:t>25</a:t>
             </a:fld>
             <a:endParaRPr lang="en-US" sz="1200" dirty="0"/>
           </a:p>
@@ -2219,9 +2128,7 @@
             <p:ph type="sldImg"/>
           </p:nvPr>
         </p:nvSpPr>
-        <p:spPr>
-          <a:ln/>
-        </p:spPr>
+        <p:spPr/>
       </p:sp>
       <p:sp>
         <p:nvSpPr>
@@ -2233,9 +2140,7 @@
             <p:ph type="body" idx="1"/>
           </p:nvPr>
         </p:nvSpPr>
-        <p:spPr>
-          <a:ln/>
-        </p:spPr>
+        <p:spPr/>
         <p:txBody>
           <a:bodyPr wrap="none" lIns="96653" tIns="48327" rIns="96653" bIns="48327" anchor="ctr"/>
           <a:lstStyle/>
@@ -2263,7 +2168,6 @@
             <a:pPr lvl="0" algn="r" defTabSz="967105"/>
             <a:fld id="{9A0DB2DC-4C9A-4742-B13C-FB6460FD3503}" type="slidenum">
               <a:rPr lang="en-US" sz="1200" dirty="0"/>
-              <a:t>26</a:t>
             </a:fld>
             <a:endParaRPr lang="en-US" sz="1200" dirty="0"/>
           </a:p>
@@ -2304,9 +2208,7 @@
             <p:ph type="sldImg"/>
           </p:nvPr>
         </p:nvSpPr>
-        <p:spPr>
-          <a:ln/>
-        </p:spPr>
+        <p:spPr/>
       </p:sp>
       <p:sp>
         <p:nvSpPr>
@@ -2318,9 +2220,7 @@
             <p:ph type="body" idx="1"/>
           </p:nvPr>
         </p:nvSpPr>
-        <p:spPr>
-          <a:ln/>
-        </p:spPr>
+        <p:spPr/>
         <p:txBody>
           <a:bodyPr wrap="none" lIns="96653" tIns="48327" rIns="96653" bIns="48327" anchor="ctr"/>
           <a:lstStyle/>
@@ -2348,7 +2248,6 @@
             <a:pPr lvl="0" algn="r" defTabSz="967105"/>
             <a:fld id="{9A0DB2DC-4C9A-4742-B13C-FB6460FD3503}" type="slidenum">
               <a:rPr lang="en-US" sz="1200" dirty="0"/>
-              <a:t>27</a:t>
             </a:fld>
             <a:endParaRPr lang="en-US" sz="1200" dirty="0"/>
           </a:p>
@@ -2394,7 +2293,6 @@
             <a:off x="1257300" y="720725"/>
             <a:ext cx="4800600" cy="3600450"/>
           </a:xfrm>
-          <a:ln/>
         </p:spPr>
       </p:sp>
       <p:sp>
@@ -2412,7 +2310,6 @@
             <a:off x="731838" y="4560888"/>
             <a:ext cx="5851525" cy="4319587"/>
           </a:xfrm>
-          <a:ln/>
         </p:spPr>
         <p:txBody>
           <a:bodyPr wrap="none" lIns="96653" tIns="48327" rIns="96653" bIns="48327" anchor="ctr"/>
@@ -2423,6 +2320,7 @@
               <a:rPr lang="en-US" altLang="zh-CN"/>
               <a:t>Unfortunately, d is not necessarily the smallest distance between all pairs of points in S1 and </a:t>
             </a:r>
+            <a:endParaRPr lang="en-US" altLang="zh-CN"/>
           </a:p>
           <a:p>
             <a:pPr lvl="0"/>
@@ -2430,6 +2328,7 @@
               <a:rPr lang="en-US" altLang="zh-CN"/>
               <a:t>S2 because a closer pair of points can lie on the opposite sides separating the line. When we </a:t>
             </a:r>
+            <a:endParaRPr lang="en-US" altLang="zh-CN"/>
           </a:p>
           <a:p>
             <a:pPr lvl="0"/>
@@ -2437,6 +2336,7 @@
               <a:rPr lang="en-US" altLang="zh-CN"/>
               <a:t>combine the two sets, we must examine such points. (Illustrate this on the diagram)</a:t>
             </a:r>
+            <a:endParaRPr lang="en-US" altLang="zh-CN"/>
           </a:p>
         </p:txBody>
       </p:sp>
@@ -2458,7 +2358,6 @@
             <a:pPr lvl="0" algn="r" defTabSz="967105"/>
             <a:fld id="{9A0DB2DC-4C9A-4742-B13C-FB6460FD3503}" type="slidenum">
               <a:rPr lang="en-US" sz="1200" dirty="0"/>
-              <a:t>28</a:t>
             </a:fld>
             <a:endParaRPr lang="en-US" sz="1200" dirty="0"/>
           </a:p>
@@ -2504,7 +2403,6 @@
             <a:off x="1257300" y="720725"/>
             <a:ext cx="4800600" cy="3600450"/>
           </a:xfrm>
-          <a:ln/>
         </p:spPr>
       </p:sp>
       <p:sp>
@@ -2522,7 +2420,6 @@
             <a:off x="731838" y="4560888"/>
             <a:ext cx="5851525" cy="4319587"/>
           </a:xfrm>
-          <a:ln/>
         </p:spPr>
         <p:txBody>
           <a:bodyPr wrap="none" lIns="96653" tIns="48327" rIns="96653" bIns="48327" anchor="ctr"/>
@@ -2551,7 +2448,6 @@
             <a:pPr lvl="0" algn="r" defTabSz="967105"/>
             <a:fld id="{9A0DB2DC-4C9A-4742-B13C-FB6460FD3503}" type="slidenum">
               <a:rPr lang="en-US" sz="1200" dirty="0"/>
-              <a:t>29</a:t>
             </a:fld>
             <a:endParaRPr lang="en-US" sz="1200" dirty="0"/>
           </a:p>
@@ -2597,7 +2493,6 @@
             <a:off x="1257300" y="720725"/>
             <a:ext cx="4800600" cy="3600450"/>
           </a:xfrm>
-          <a:ln/>
         </p:spPr>
       </p:sp>
       <p:sp>
@@ -2615,7 +2510,6 @@
             <a:off x="731838" y="4560888"/>
             <a:ext cx="5851525" cy="4319587"/>
           </a:xfrm>
-          <a:ln/>
         </p:spPr>
         <p:txBody>
           <a:bodyPr wrap="none" lIns="96653" tIns="48327" rIns="96653" bIns="48327" anchor="ctr"/>
@@ -2644,7 +2538,6 @@
             <a:pPr lvl="0" algn="r" defTabSz="967105"/>
             <a:fld id="{9A0DB2DC-4C9A-4742-B13C-FB6460FD3503}" type="slidenum">
               <a:rPr lang="en-US" sz="1200" dirty="0"/>
-              <a:t>30</a:t>
             </a:fld>
             <a:endParaRPr lang="en-US" sz="1200" dirty="0"/>
           </a:p>
@@ -2690,7 +2583,6 @@
             <a:off x="1257300" y="685800"/>
             <a:ext cx="4800600" cy="3600450"/>
           </a:xfrm>
-          <a:ln/>
         </p:spPr>
       </p:sp>
       <p:sp>
@@ -2703,9 +2595,7 @@
             <p:ph type="body" idx="1"/>
           </p:nvPr>
         </p:nvSpPr>
-        <p:spPr>
-          <a:ln/>
-        </p:spPr>
+        <p:spPr/>
         <p:txBody>
           <a:bodyPr wrap="none" lIns="96653" tIns="48327" rIns="96653" bIns="48327" anchor="ctr"/>
           <a:lstStyle/>
@@ -2733,7 +2623,6 @@
             <a:pPr lvl="0" algn="r" defTabSz="967105"/>
             <a:fld id="{9A0DB2DC-4C9A-4742-B13C-FB6460FD3503}" type="slidenum">
               <a:rPr lang="en-US" sz="1200" dirty="0"/>
-              <a:t>31</a:t>
             </a:fld>
             <a:endParaRPr lang="en-US" sz="1200" dirty="0"/>
           </a:p>
@@ -2774,9 +2663,7 @@
             <p:ph type="sldImg"/>
           </p:nvPr>
         </p:nvSpPr>
-        <p:spPr>
-          <a:ln/>
-        </p:spPr>
+        <p:spPr/>
       </p:sp>
       <p:sp>
         <p:nvSpPr>
@@ -2788,9 +2675,7 @@
             <p:ph type="body" idx="1"/>
           </p:nvPr>
         </p:nvSpPr>
-        <p:spPr>
-          <a:ln/>
-        </p:spPr>
+        <p:spPr/>
         <p:txBody>
           <a:bodyPr wrap="none" lIns="96653" tIns="48327" rIns="96653" bIns="48327" anchor="ctr"/>
           <a:lstStyle/>
@@ -2818,7 +2703,6 @@
             <a:pPr lvl="0" algn="r" defTabSz="967105"/>
             <a:fld id="{9A0DB2DC-4C9A-4742-B13C-FB6460FD3503}" type="slidenum">
               <a:rPr lang="en-US" sz="1200" dirty="0"/>
-              <a:t>3</a:t>
             </a:fld>
             <a:endParaRPr lang="en-US" sz="1200" dirty="0"/>
           </a:p>
@@ -2859,9 +2743,7 @@
             <p:ph type="sldImg"/>
           </p:nvPr>
         </p:nvSpPr>
-        <p:spPr>
-          <a:ln/>
-        </p:spPr>
+        <p:spPr/>
       </p:sp>
       <p:sp>
         <p:nvSpPr>
@@ -2873,9 +2755,7 @@
             <p:ph type="body" idx="1"/>
           </p:nvPr>
         </p:nvSpPr>
-        <p:spPr>
-          <a:ln/>
-        </p:spPr>
+        <p:spPr/>
         <p:txBody>
           <a:bodyPr wrap="none" lIns="96653" tIns="48327" rIns="96653" bIns="48327" anchor="ctr"/>
           <a:lstStyle/>
@@ -2903,7 +2783,6 @@
             <a:pPr lvl="0" algn="r" defTabSz="967105"/>
             <a:fld id="{9A0DB2DC-4C9A-4742-B13C-FB6460FD3503}" type="slidenum">
               <a:rPr lang="en-US" sz="1200" dirty="0"/>
-              <a:t>32</a:t>
             </a:fld>
             <a:endParaRPr lang="en-US" sz="1200" dirty="0"/>
           </a:p>
@@ -2944,9 +2823,7 @@
             <p:ph type="sldImg"/>
           </p:nvPr>
         </p:nvSpPr>
-        <p:spPr>
-          <a:ln/>
-        </p:spPr>
+        <p:spPr/>
       </p:sp>
       <p:sp>
         <p:nvSpPr>
@@ -2958,9 +2835,7 @@
             <p:ph type="body" idx="1"/>
           </p:nvPr>
         </p:nvSpPr>
-        <p:spPr>
-          <a:ln/>
-        </p:spPr>
+        <p:spPr/>
         <p:txBody>
           <a:bodyPr wrap="none" lIns="96653" tIns="48327" rIns="96653" bIns="48327" anchor="ctr"/>
           <a:lstStyle/>
@@ -2988,7 +2863,6 @@
             <a:pPr lvl="0" algn="r" defTabSz="967105"/>
             <a:fld id="{9A0DB2DC-4C9A-4742-B13C-FB6460FD3503}" type="slidenum">
               <a:rPr lang="en-US" sz="1200" dirty="0"/>
-              <a:t>4</a:t>
             </a:fld>
             <a:endParaRPr lang="en-US" sz="1200" dirty="0"/>
           </a:p>
@@ -3029,9 +2903,7 @@
             <p:ph type="sldImg"/>
           </p:nvPr>
         </p:nvSpPr>
-        <p:spPr>
-          <a:ln/>
-        </p:spPr>
+        <p:spPr/>
       </p:sp>
       <p:sp>
         <p:nvSpPr>
@@ -3043,9 +2915,7 @@
             <p:ph type="body" idx="1"/>
           </p:nvPr>
         </p:nvSpPr>
-        <p:spPr>
-          <a:ln/>
-        </p:spPr>
+        <p:spPr/>
         <p:txBody>
           <a:bodyPr wrap="none" lIns="96653" tIns="48327" rIns="96653" bIns="48327" anchor="ctr"/>
           <a:lstStyle/>
@@ -3073,7 +2943,6 @@
             <a:pPr lvl="0" algn="r" defTabSz="967105"/>
             <a:fld id="{9A0DB2DC-4C9A-4742-B13C-FB6460FD3503}" type="slidenum">
               <a:rPr lang="en-US" sz="1200" dirty="0"/>
-              <a:t>5</a:t>
             </a:fld>
             <a:endParaRPr lang="en-US" sz="1200" dirty="0"/>
           </a:p>
@@ -3114,9 +2983,7 @@
             <p:ph type="sldImg"/>
           </p:nvPr>
         </p:nvSpPr>
-        <p:spPr>
-          <a:ln/>
-        </p:spPr>
+        <p:spPr/>
       </p:sp>
       <p:sp>
         <p:nvSpPr>
@@ -3128,9 +2995,7 @@
             <p:ph type="body" idx="1"/>
           </p:nvPr>
         </p:nvSpPr>
-        <p:spPr>
-          <a:ln/>
-        </p:spPr>
+        <p:spPr/>
         <p:txBody>
           <a:bodyPr wrap="none" lIns="96653" tIns="48327" rIns="96653" bIns="48327" anchor="ctr"/>
           <a:lstStyle/>
@@ -3158,7 +3023,6 @@
             <a:pPr lvl="0" algn="r" defTabSz="967105"/>
             <a:fld id="{9A0DB2DC-4C9A-4742-B13C-FB6460FD3503}" type="slidenum">
               <a:rPr lang="en-US" sz="1200" dirty="0"/>
-              <a:t>6</a:t>
             </a:fld>
             <a:endParaRPr lang="en-US" sz="1200" dirty="0"/>
           </a:p>
@@ -3199,9 +3063,7 @@
             <p:ph type="sldImg"/>
           </p:nvPr>
         </p:nvSpPr>
-        <p:spPr>
-          <a:ln/>
-        </p:spPr>
+        <p:spPr/>
       </p:sp>
       <p:sp>
         <p:nvSpPr>
@@ -3213,9 +3075,7 @@
             <p:ph type="body" idx="1"/>
           </p:nvPr>
         </p:nvSpPr>
-        <p:spPr>
-          <a:ln/>
-        </p:spPr>
+        <p:spPr/>
         <p:txBody>
           <a:bodyPr wrap="none" lIns="96653" tIns="48327" rIns="96653" bIns="48327" anchor="ctr"/>
           <a:lstStyle/>
@@ -3243,7 +3103,6 @@
             <a:pPr lvl="0" algn="r" defTabSz="967105"/>
             <a:fld id="{9A0DB2DC-4C9A-4742-B13C-FB6460FD3503}" type="slidenum">
               <a:rPr lang="en-US" sz="1200" dirty="0"/>
-              <a:t>7</a:t>
             </a:fld>
             <a:endParaRPr lang="en-US" sz="1200" dirty="0"/>
           </a:p>
@@ -3284,9 +3143,7 @@
             <p:ph type="sldImg"/>
           </p:nvPr>
         </p:nvSpPr>
-        <p:spPr>
-          <a:ln/>
-        </p:spPr>
+        <p:spPr/>
       </p:sp>
       <p:sp>
         <p:nvSpPr>
@@ -3298,9 +3155,7 @@
             <p:ph type="body" idx="1"/>
           </p:nvPr>
         </p:nvSpPr>
-        <p:spPr>
-          <a:ln/>
-        </p:spPr>
+        <p:spPr/>
         <p:txBody>
           <a:bodyPr wrap="none" lIns="96653" tIns="48327" rIns="96653" bIns="48327" anchor="ctr"/>
           <a:lstStyle/>
@@ -3310,6 +3165,7 @@
               <a:rPr lang="en-US" altLang="zh-CN"/>
               <a:t>Go over this example in detail, then do another example of merging, something like:</a:t>
             </a:r>
+            <a:endParaRPr lang="en-US" altLang="zh-CN"/>
           </a:p>
           <a:p>
             <a:pPr lvl="0"/>
@@ -3321,6 +3177,7 @@
               <a:rPr lang="en-US" altLang="zh-CN"/>
               <a:t>(1 2 5 7 9)</a:t>
             </a:r>
+            <a:endParaRPr lang="en-US" altLang="zh-CN"/>
           </a:p>
           <a:p>
             <a:pPr lvl="0"/>
@@ -3328,6 +3185,7 @@
               <a:rPr lang="en-US" altLang="zh-CN"/>
               <a:t>(3 4 6)</a:t>
             </a:r>
+            <a:endParaRPr lang="en-US" altLang="zh-CN"/>
           </a:p>
         </p:txBody>
       </p:sp>
@@ -3349,7 +3207,6 @@
             <a:pPr lvl="0" algn="r" defTabSz="967105"/>
             <a:fld id="{9A0DB2DC-4C9A-4742-B13C-FB6460FD3503}" type="slidenum">
               <a:rPr lang="en-US" sz="1200" dirty="0"/>
-              <a:t>8</a:t>
             </a:fld>
             <a:endParaRPr lang="en-US" sz="1200" dirty="0"/>
           </a:p>
@@ -3390,9 +3247,7 @@
             <p:ph type="sldImg"/>
           </p:nvPr>
         </p:nvSpPr>
-        <p:spPr>
-          <a:ln/>
-        </p:spPr>
+        <p:spPr/>
       </p:sp>
       <p:sp>
         <p:nvSpPr>
@@ -3404,9 +3259,7 @@
             <p:ph type="body" idx="1"/>
           </p:nvPr>
         </p:nvSpPr>
-        <p:spPr>
-          <a:ln/>
-        </p:spPr>
+        <p:spPr/>
         <p:txBody>
           <a:bodyPr wrap="none" lIns="96653" tIns="48327" rIns="96653" bIns="48327" anchor="ctr"/>
           <a:lstStyle/>
@@ -3416,6 +3269,7 @@
               <a:rPr lang="en-US" altLang="zh-CN"/>
               <a:t>even if not analyzing in detail, show the recurrence for mergesort in worst case:</a:t>
             </a:r>
+            <a:endParaRPr lang="en-US" altLang="zh-CN"/>
           </a:p>
           <a:p>
             <a:pPr lvl="0"/>
@@ -3423,6 +3277,7 @@
               <a:rPr lang="en-US" altLang="zh-CN"/>
               <a:t>T(n) = 2 T(n/2) + (n-1)</a:t>
             </a:r>
+            <a:endParaRPr lang="en-US" altLang="zh-CN"/>
           </a:p>
           <a:p>
             <a:pPr lvl="0"/>
@@ -3434,6 +3289,7 @@
               <a:rPr lang="en-US" altLang="zh-CN"/>
               <a:t>                         worst case comparisons for merge</a:t>
             </a:r>
+            <a:endParaRPr lang="en-US" altLang="zh-CN"/>
           </a:p>
         </p:txBody>
       </p:sp>
@@ -3479,7 +3335,6 @@
             <a:pPr lvl="0" algn="r" defTabSz="967105"/>
             <a:fld id="{9A0DB2DC-4C9A-4742-B13C-FB6460FD3503}" type="slidenum">
               <a:rPr lang="en-US" sz="1200" dirty="0"/>
-              <a:t>9</a:t>
             </a:fld>
             <a:endParaRPr lang="en-US" sz="1200" dirty="0"/>
           </a:p>
@@ -3494,7 +3349,7 @@
 </file>
 
 <file path=ppt/slideLayouts/slideLayout1.xml><?xml version="1.0" encoding="utf-8"?>
-<p:sldLayout xmlns:a="http://schemas.openxmlformats.org/drawingml/2006/main" xmlns:r="http://schemas.openxmlformats.org/officeDocument/2006/relationships" xmlns:p="http://schemas.openxmlformats.org/presentationml/2006/main" showMasterSp="0" showMasterPhAnim="0" type="title">
+<p:sldLayout xmlns:a="http://schemas.openxmlformats.org/drawingml/2006/main" xmlns:r="http://schemas.openxmlformats.org/officeDocument/2006/relationships" xmlns:p="http://schemas.openxmlformats.org/presentationml/2006/main" type="title" showMasterPhAnim="0" showMasterSp="0">
   <p:cSld name="标题幻灯片">
     <p:bg>
       <p:bgPr>
@@ -3703,6 +3558,7 @@
               <a:rPr lang="en-US"/>
               <a:t>Design and Analysis of Algorithms - Chapter 4</a:t>
             </a:r>
+            <a:endParaRPr lang="en-US"/>
           </a:p>
         </p:txBody>
       </p:sp>
@@ -3749,7 +3605,6 @@
             </a:pPr>
             <a:fld id="{9A0DB2DC-4C9A-4742-B13C-FB6460FD3503}" type="slidenum">
               <a:rPr lang="en-US"/>
-              <a:t>‹#›</a:t>
             </a:fld>
             <a:endParaRPr lang="en-US"/>
           </a:p>
@@ -3827,6 +3682,7 @@
               <a:rPr lang="zh-CN" altLang="en-US"/>
               <a:t>单击此处编辑母版标题样式</a:t>
             </a:r>
+            <a:endParaRPr lang="zh-CN" altLang="en-US"/>
           </a:p>
         </p:txBody>
       </p:sp>
@@ -3850,6 +3706,7 @@
               <a:rPr lang="zh-CN" altLang="en-US"/>
               <a:t>单击此处编辑母版文本样式</a:t>
             </a:r>
+            <a:endParaRPr lang="zh-CN" altLang="en-US"/>
           </a:p>
           <a:p>
             <a:pPr lvl="1"/>
@@ -3857,6 +3714,7 @@
               <a:rPr lang="zh-CN" altLang="en-US"/>
               <a:t>第二级</a:t>
             </a:r>
+            <a:endParaRPr lang="zh-CN" altLang="en-US"/>
           </a:p>
           <a:p>
             <a:pPr lvl="2"/>
@@ -3864,6 +3722,7 @@
               <a:rPr lang="zh-CN" altLang="en-US"/>
               <a:t>第三级</a:t>
             </a:r>
+            <a:endParaRPr lang="zh-CN" altLang="en-US"/>
           </a:p>
           <a:p>
             <a:pPr lvl="3"/>
@@ -3871,6 +3730,7 @@
               <a:rPr lang="zh-CN" altLang="en-US"/>
               <a:t>第四级</a:t>
             </a:r>
+            <a:endParaRPr lang="zh-CN" altLang="en-US"/>
           </a:p>
           <a:p>
             <a:pPr lvl="4"/>
@@ -3878,6 +3738,7 @@
               <a:rPr lang="zh-CN" altLang="en-US"/>
               <a:t>第五级</a:t>
             </a:r>
+            <a:endParaRPr lang="zh-CN" altLang="en-US"/>
           </a:p>
         </p:txBody>
       </p:sp>
@@ -3954,6 +3815,7 @@
               <a:rPr lang="zh-CN" altLang="en-US"/>
               <a:t>单击此处编辑母版标题样式</a:t>
             </a:r>
+            <a:endParaRPr lang="zh-CN" altLang="en-US"/>
           </a:p>
         </p:txBody>
       </p:sp>
@@ -3982,6 +3844,7 @@
               <a:rPr lang="zh-CN" altLang="en-US"/>
               <a:t>单击此处编辑母版文本样式</a:t>
             </a:r>
+            <a:endParaRPr lang="zh-CN" altLang="en-US"/>
           </a:p>
           <a:p>
             <a:pPr lvl="1"/>
@@ -3989,6 +3852,7 @@
               <a:rPr lang="zh-CN" altLang="en-US"/>
               <a:t>第二级</a:t>
             </a:r>
+            <a:endParaRPr lang="zh-CN" altLang="en-US"/>
           </a:p>
           <a:p>
             <a:pPr lvl="2"/>
@@ -3996,6 +3860,7 @@
               <a:rPr lang="zh-CN" altLang="en-US"/>
               <a:t>第三级</a:t>
             </a:r>
+            <a:endParaRPr lang="zh-CN" altLang="en-US"/>
           </a:p>
           <a:p>
             <a:pPr lvl="3"/>
@@ -4003,6 +3868,7 @@
               <a:rPr lang="zh-CN" altLang="en-US"/>
               <a:t>第四级</a:t>
             </a:r>
+            <a:endParaRPr lang="zh-CN" altLang="en-US"/>
           </a:p>
           <a:p>
             <a:pPr lvl="4"/>
@@ -4010,6 +3876,7 @@
               <a:rPr lang="zh-CN" altLang="en-US"/>
               <a:t>第五级</a:t>
             </a:r>
+            <a:endParaRPr lang="zh-CN" altLang="en-US"/>
           </a:p>
         </p:txBody>
       </p:sp>
@@ -4081,6 +3948,7 @@
               <a:rPr lang="zh-CN" altLang="en-US"/>
               <a:t>单击此处编辑母版标题样式</a:t>
             </a:r>
+            <a:endParaRPr lang="zh-CN" altLang="en-US"/>
           </a:p>
         </p:txBody>
       </p:sp>
@@ -4109,6 +3977,7 @@
               <a:rPr lang="zh-CN" altLang="en-US"/>
               <a:t>单击此处编辑母版文本样式</a:t>
             </a:r>
+            <a:endParaRPr lang="zh-CN" altLang="en-US"/>
           </a:p>
           <a:p>
             <a:pPr lvl="1"/>
@@ -4116,6 +3985,7 @@
               <a:rPr lang="zh-CN" altLang="en-US"/>
               <a:t>第二级</a:t>
             </a:r>
+            <a:endParaRPr lang="zh-CN" altLang="en-US"/>
           </a:p>
           <a:p>
             <a:pPr lvl="2"/>
@@ -4123,6 +3993,7 @@
               <a:rPr lang="zh-CN" altLang="en-US"/>
               <a:t>第三级</a:t>
             </a:r>
+            <a:endParaRPr lang="zh-CN" altLang="en-US"/>
           </a:p>
           <a:p>
             <a:pPr lvl="3"/>
@@ -4130,6 +4001,7 @@
               <a:rPr lang="zh-CN" altLang="en-US"/>
               <a:t>第四级</a:t>
             </a:r>
+            <a:endParaRPr lang="zh-CN" altLang="en-US"/>
           </a:p>
           <a:p>
             <a:pPr lvl="4"/>
@@ -4137,6 +4009,7 @@
               <a:rPr lang="zh-CN" altLang="en-US"/>
               <a:t>第五级</a:t>
             </a:r>
+            <a:endParaRPr lang="zh-CN" altLang="en-US"/>
           </a:p>
         </p:txBody>
       </p:sp>
@@ -4165,6 +4038,7 @@
               <a:rPr lang="zh-CN" altLang="en-US"/>
               <a:t>单击此处编辑母版文本样式</a:t>
             </a:r>
+            <a:endParaRPr lang="zh-CN" altLang="en-US"/>
           </a:p>
           <a:p>
             <a:pPr lvl="1"/>
@@ -4172,6 +4046,7 @@
               <a:rPr lang="zh-CN" altLang="en-US"/>
               <a:t>第二级</a:t>
             </a:r>
+            <a:endParaRPr lang="zh-CN" altLang="en-US"/>
           </a:p>
           <a:p>
             <a:pPr lvl="2"/>
@@ -4179,6 +4054,7 @@
               <a:rPr lang="zh-CN" altLang="en-US"/>
               <a:t>第三级</a:t>
             </a:r>
+            <a:endParaRPr lang="zh-CN" altLang="en-US"/>
           </a:p>
           <a:p>
             <a:pPr lvl="3"/>
@@ -4186,6 +4062,7 @@
               <a:rPr lang="zh-CN" altLang="en-US"/>
               <a:t>第四级</a:t>
             </a:r>
+            <a:endParaRPr lang="zh-CN" altLang="en-US"/>
           </a:p>
           <a:p>
             <a:pPr lvl="4"/>
@@ -4193,6 +4070,7 @@
               <a:rPr lang="zh-CN" altLang="en-US"/>
               <a:t>第五级</a:t>
             </a:r>
+            <a:endParaRPr lang="zh-CN" altLang="en-US"/>
           </a:p>
         </p:txBody>
       </p:sp>
@@ -4264,6 +4142,7 @@
               <a:rPr lang="zh-CN" altLang="en-US"/>
               <a:t>单击此处编辑母版标题样式</a:t>
             </a:r>
+            <a:endParaRPr lang="zh-CN" altLang="en-US"/>
           </a:p>
         </p:txBody>
       </p:sp>
@@ -4287,6 +4166,7 @@
               <a:rPr lang="zh-CN" altLang="en-US"/>
               <a:t>单击此处编辑母版文本样式</a:t>
             </a:r>
+            <a:endParaRPr lang="zh-CN" altLang="en-US"/>
           </a:p>
           <a:p>
             <a:pPr lvl="1"/>
@@ -4294,6 +4174,7 @@
               <a:rPr lang="zh-CN" altLang="en-US"/>
               <a:t>第二级</a:t>
             </a:r>
+            <a:endParaRPr lang="zh-CN" altLang="en-US"/>
           </a:p>
           <a:p>
             <a:pPr lvl="2"/>
@@ -4301,6 +4182,7 @@
               <a:rPr lang="zh-CN" altLang="en-US"/>
               <a:t>第三级</a:t>
             </a:r>
+            <a:endParaRPr lang="zh-CN" altLang="en-US"/>
           </a:p>
           <a:p>
             <a:pPr lvl="3"/>
@@ -4308,6 +4190,7 @@
               <a:rPr lang="zh-CN" altLang="en-US"/>
               <a:t>第四级</a:t>
             </a:r>
+            <a:endParaRPr lang="zh-CN" altLang="en-US"/>
           </a:p>
           <a:p>
             <a:pPr lvl="4"/>
@@ -4315,6 +4198,7 @@
               <a:rPr lang="zh-CN" altLang="en-US"/>
               <a:t>第五级</a:t>
             </a:r>
+            <a:endParaRPr lang="zh-CN" altLang="en-US"/>
           </a:p>
         </p:txBody>
       </p:sp>
@@ -4395,6 +4279,7 @@
               <a:rPr lang="zh-CN" altLang="en-US"/>
               <a:t>单击此处编辑母版标题样式</a:t>
             </a:r>
+            <a:endParaRPr lang="zh-CN" altLang="en-US"/>
           </a:p>
         </p:txBody>
       </p:sp>
@@ -4514,6 +4399,7 @@
               <a:rPr lang="zh-CN" altLang="en-US"/>
               <a:t>单击此处编辑母版文本样式</a:t>
             </a:r>
+            <a:endParaRPr lang="zh-CN" altLang="en-US"/>
           </a:p>
         </p:txBody>
       </p:sp>
@@ -4585,6 +4471,7 @@
               <a:rPr lang="zh-CN" altLang="en-US"/>
               <a:t>单击此处编辑母版标题样式</a:t>
             </a:r>
+            <a:endParaRPr lang="zh-CN" altLang="en-US"/>
           </a:p>
         </p:txBody>
       </p:sp>
@@ -4613,6 +4500,7 @@
               <a:rPr lang="zh-CN" altLang="en-US"/>
               <a:t>单击此处编辑母版文本样式</a:t>
             </a:r>
+            <a:endParaRPr lang="zh-CN" altLang="en-US"/>
           </a:p>
           <a:p>
             <a:pPr lvl="1"/>
@@ -4620,6 +4508,7 @@
               <a:rPr lang="zh-CN" altLang="en-US"/>
               <a:t>第二级</a:t>
             </a:r>
+            <a:endParaRPr lang="zh-CN" altLang="en-US"/>
           </a:p>
           <a:p>
             <a:pPr lvl="2"/>
@@ -4627,6 +4516,7 @@
               <a:rPr lang="zh-CN" altLang="en-US"/>
               <a:t>第三级</a:t>
             </a:r>
+            <a:endParaRPr lang="zh-CN" altLang="en-US"/>
           </a:p>
           <a:p>
             <a:pPr lvl="3"/>
@@ -4634,6 +4524,7 @@
               <a:rPr lang="zh-CN" altLang="en-US"/>
               <a:t>第四级</a:t>
             </a:r>
+            <a:endParaRPr lang="zh-CN" altLang="en-US"/>
           </a:p>
           <a:p>
             <a:pPr lvl="4"/>
@@ -4641,6 +4532,7 @@
               <a:rPr lang="zh-CN" altLang="en-US"/>
               <a:t>第五级</a:t>
             </a:r>
+            <a:endParaRPr lang="zh-CN" altLang="en-US"/>
           </a:p>
         </p:txBody>
       </p:sp>
@@ -4669,6 +4561,7 @@
               <a:rPr lang="zh-CN" altLang="en-US"/>
               <a:t>单击此处编辑母版文本样式</a:t>
             </a:r>
+            <a:endParaRPr lang="zh-CN" altLang="en-US"/>
           </a:p>
           <a:p>
             <a:pPr lvl="1"/>
@@ -4676,6 +4569,7 @@
               <a:rPr lang="zh-CN" altLang="en-US"/>
               <a:t>第二级</a:t>
             </a:r>
+            <a:endParaRPr lang="zh-CN" altLang="en-US"/>
           </a:p>
           <a:p>
             <a:pPr lvl="2"/>
@@ -4683,6 +4577,7 @@
               <a:rPr lang="zh-CN" altLang="en-US"/>
               <a:t>第三级</a:t>
             </a:r>
+            <a:endParaRPr lang="zh-CN" altLang="en-US"/>
           </a:p>
           <a:p>
             <a:pPr lvl="3"/>
@@ -4690,6 +4585,7 @@
               <a:rPr lang="zh-CN" altLang="en-US"/>
               <a:t>第四级</a:t>
             </a:r>
+            <a:endParaRPr lang="zh-CN" altLang="en-US"/>
           </a:p>
           <a:p>
             <a:pPr lvl="4"/>
@@ -4697,6 +4593,7 @@
               <a:rPr lang="zh-CN" altLang="en-US"/>
               <a:t>第五级</a:t>
             </a:r>
+            <a:endParaRPr lang="zh-CN" altLang="en-US"/>
           </a:p>
         </p:txBody>
       </p:sp>
@@ -4773,6 +4670,7 @@
               <a:rPr lang="zh-CN" altLang="en-US"/>
               <a:t>单击此处编辑母版标题样式</a:t>
             </a:r>
+            <a:endParaRPr lang="zh-CN" altLang="en-US"/>
           </a:p>
         </p:txBody>
       </p:sp>
@@ -4838,6 +4736,7 @@
               <a:rPr lang="zh-CN" altLang="en-US"/>
               <a:t>单击此处编辑母版文本样式</a:t>
             </a:r>
+            <a:endParaRPr lang="zh-CN" altLang="en-US"/>
           </a:p>
         </p:txBody>
       </p:sp>
@@ -4866,6 +4765,7 @@
               <a:rPr lang="zh-CN" altLang="en-US"/>
               <a:t>单击此处编辑母版文本样式</a:t>
             </a:r>
+            <a:endParaRPr lang="zh-CN" altLang="en-US"/>
           </a:p>
           <a:p>
             <a:pPr lvl="1"/>
@@ -4873,6 +4773,7 @@
               <a:rPr lang="zh-CN" altLang="en-US"/>
               <a:t>第二级</a:t>
             </a:r>
+            <a:endParaRPr lang="zh-CN" altLang="en-US"/>
           </a:p>
           <a:p>
             <a:pPr lvl="2"/>
@@ -4880,6 +4781,7 @@
               <a:rPr lang="zh-CN" altLang="en-US"/>
               <a:t>第三级</a:t>
             </a:r>
+            <a:endParaRPr lang="zh-CN" altLang="en-US"/>
           </a:p>
           <a:p>
             <a:pPr lvl="3"/>
@@ -4887,6 +4789,7 @@
               <a:rPr lang="zh-CN" altLang="en-US"/>
               <a:t>第四级</a:t>
             </a:r>
+            <a:endParaRPr lang="zh-CN" altLang="en-US"/>
           </a:p>
           <a:p>
             <a:pPr lvl="4"/>
@@ -4894,6 +4797,7 @@
               <a:rPr lang="zh-CN" altLang="en-US"/>
               <a:t>第五级</a:t>
             </a:r>
+            <a:endParaRPr lang="zh-CN" altLang="en-US"/>
           </a:p>
         </p:txBody>
       </p:sp>
@@ -4959,6 +4863,7 @@
               <a:rPr lang="zh-CN" altLang="en-US"/>
               <a:t>单击此处编辑母版文本样式</a:t>
             </a:r>
+            <a:endParaRPr lang="zh-CN" altLang="en-US"/>
           </a:p>
         </p:txBody>
       </p:sp>
@@ -4987,6 +4892,7 @@
               <a:rPr lang="zh-CN" altLang="en-US"/>
               <a:t>单击此处编辑母版文本样式</a:t>
             </a:r>
+            <a:endParaRPr lang="zh-CN" altLang="en-US"/>
           </a:p>
           <a:p>
             <a:pPr lvl="1"/>
@@ -4994,6 +4900,7 @@
               <a:rPr lang="zh-CN" altLang="en-US"/>
               <a:t>第二级</a:t>
             </a:r>
+            <a:endParaRPr lang="zh-CN" altLang="en-US"/>
           </a:p>
           <a:p>
             <a:pPr lvl="2"/>
@@ -5001,6 +4908,7 @@
               <a:rPr lang="zh-CN" altLang="en-US"/>
               <a:t>第三级</a:t>
             </a:r>
+            <a:endParaRPr lang="zh-CN" altLang="en-US"/>
           </a:p>
           <a:p>
             <a:pPr lvl="3"/>
@@ -5008,6 +4916,7 @@
               <a:rPr lang="zh-CN" altLang="en-US"/>
               <a:t>第四级</a:t>
             </a:r>
+            <a:endParaRPr lang="zh-CN" altLang="en-US"/>
           </a:p>
           <a:p>
             <a:pPr lvl="4"/>
@@ -5015,6 +4924,7 @@
               <a:rPr lang="zh-CN" altLang="en-US"/>
               <a:t>第五级</a:t>
             </a:r>
+            <a:endParaRPr lang="zh-CN" altLang="en-US"/>
           </a:p>
         </p:txBody>
       </p:sp>
@@ -5086,6 +4996,7 @@
               <a:rPr lang="zh-CN" altLang="en-US"/>
               <a:t>单击此处编辑母版标题样式</a:t>
             </a:r>
+            <a:endParaRPr lang="zh-CN" altLang="en-US"/>
           </a:p>
         </p:txBody>
       </p:sp>
@@ -5215,6 +5126,7 @@
               <a:rPr lang="zh-CN" altLang="en-US"/>
               <a:t>单击此处编辑母版标题样式</a:t>
             </a:r>
+            <a:endParaRPr lang="zh-CN" altLang="en-US"/>
           </a:p>
         </p:txBody>
       </p:sp>
@@ -5271,6 +5183,7 @@
               <a:rPr lang="zh-CN" altLang="en-US"/>
               <a:t>单击此处编辑母版文本样式</a:t>
             </a:r>
+            <a:endParaRPr lang="zh-CN" altLang="en-US"/>
           </a:p>
           <a:p>
             <a:pPr lvl="1"/>
@@ -5278,6 +5191,7 @@
               <a:rPr lang="zh-CN" altLang="en-US"/>
               <a:t>第二级</a:t>
             </a:r>
+            <a:endParaRPr lang="zh-CN" altLang="en-US"/>
           </a:p>
           <a:p>
             <a:pPr lvl="2"/>
@@ -5285,6 +5199,7 @@
               <a:rPr lang="zh-CN" altLang="en-US"/>
               <a:t>第三级</a:t>
             </a:r>
+            <a:endParaRPr lang="zh-CN" altLang="en-US"/>
           </a:p>
           <a:p>
             <a:pPr lvl="3"/>
@@ -5292,6 +5207,7 @@
               <a:rPr lang="zh-CN" altLang="en-US"/>
               <a:t>第四级</a:t>
             </a:r>
+            <a:endParaRPr lang="zh-CN" altLang="en-US"/>
           </a:p>
           <a:p>
             <a:pPr lvl="4"/>
@@ -5299,6 +5215,7 @@
               <a:rPr lang="zh-CN" altLang="en-US"/>
               <a:t>第五级</a:t>
             </a:r>
+            <a:endParaRPr lang="zh-CN" altLang="en-US"/>
           </a:p>
         </p:txBody>
       </p:sp>
@@ -5364,6 +5281,7 @@
               <a:rPr lang="zh-CN" altLang="en-US"/>
               <a:t>单击此处编辑母版文本样式</a:t>
             </a:r>
+            <a:endParaRPr lang="zh-CN" altLang="en-US"/>
           </a:p>
         </p:txBody>
       </p:sp>
@@ -5444,6 +5362,7 @@
               <a:rPr lang="zh-CN" altLang="en-US"/>
               <a:t>单击此处编辑母版标题样式</a:t>
             </a:r>
+            <a:endParaRPr lang="zh-CN" altLang="en-US"/>
           </a:p>
         </p:txBody>
       </p:sp>
@@ -5570,6 +5489,7 @@
               <a:rPr lang="zh-CN" altLang="en-US"/>
               <a:t>单击此处编辑母版文本样式</a:t>
             </a:r>
+            <a:endParaRPr lang="zh-CN" altLang="en-US"/>
           </a:p>
         </p:txBody>
       </p:sp>
@@ -5936,6 +5856,7 @@
               <a:rPr lang="en-US" altLang="zh-CN" dirty="0"/>
               <a:t>Click to edit Master text styles</a:t>
             </a:r>
+            <a:endParaRPr lang="en-US" altLang="zh-CN" dirty="0"/>
           </a:p>
           <a:p>
             <a:pPr lvl="1"/>
@@ -5943,6 +5864,7 @@
               <a:rPr lang="en-US" altLang="zh-CN" dirty="0"/>
               <a:t>Second level</a:t>
             </a:r>
+            <a:endParaRPr lang="en-US" altLang="zh-CN" dirty="0"/>
           </a:p>
           <a:p>
             <a:pPr lvl="2"/>
@@ -5950,6 +5872,7 @@
               <a:rPr lang="en-US" altLang="zh-CN" dirty="0"/>
               <a:t>Third level</a:t>
             </a:r>
+            <a:endParaRPr lang="en-US" altLang="zh-CN" dirty="0"/>
           </a:p>
           <a:p>
             <a:pPr lvl="3"/>
@@ -5957,6 +5880,7 @@
               <a:rPr lang="en-US" altLang="zh-CN" dirty="0"/>
               <a:t>Fourth level</a:t>
             </a:r>
+            <a:endParaRPr lang="en-US" altLang="zh-CN" dirty="0"/>
           </a:p>
           <a:p>
             <a:pPr lvl="4"/>
@@ -5964,6 +5888,7 @@
               <a:rPr lang="en-US" altLang="zh-CN" dirty="0"/>
               <a:t>Fifth level</a:t>
             </a:r>
+            <a:endParaRPr lang="en-US" altLang="zh-CN" dirty="0"/>
           </a:p>
         </p:txBody>
       </p:sp>
@@ -6287,6 +6212,7 @@
               <a:rPr lang="en-US" altLang="zh-CN" dirty="0"/>
               <a:t>Click to edit Master title style</a:t>
             </a:r>
+            <a:endParaRPr lang="en-US" altLang="zh-CN" dirty="0"/>
           </a:p>
         </p:txBody>
       </p:sp>
@@ -6459,11 +6385,10 @@
               <a:t>4-</a:t>
             </a:r>
             <a:fld id="{9A0DB2DC-4C9A-4742-B13C-FB6460FD3503}" type="slidenum">
-              <a:rPr lang="en-US" sz="1400">
+              <a:rPr lang="en-US" altLang="zh-CN" sz="1400">
                 <a:latin typeface="Arial Narrow" pitchFamily="34" charset="0"/>
                 <a:ea typeface="ヒラギノ角ゴ Pro W3" pitchFamily="84" charset="-128"/>
               </a:rPr>
-              <a:t>‹#›</a:t>
             </a:fld>
             <a:endParaRPr lang="en-US" sz="1400">
               <a:latin typeface="Arial Narrow" pitchFamily="34" charset="0"/>
@@ -6564,6 +6489,10 @@
               </a:rPr>
               <a:t> ed., Ch. 4</a:t>
             </a:r>
+            <a:endParaRPr lang="en-US" altLang="zh-CN" sz="1000">
+              <a:latin typeface="Arial Narrow" pitchFamily="34" charset="0"/>
+              <a:ea typeface="ヒラギノ角ゴ Pro W3" pitchFamily="84" charset="-128"/>
+            </a:endParaRPr>
           </a:p>
         </p:txBody>
       </p:sp>
@@ -7104,9 +7033,7 @@
             <a:spAutoFit/>
           </a:bodyPr>
           <a:lstStyle/>
-          <a:p>
-            <a:endParaRPr/>
-          </a:p>
+          <a:p/>
         </p:txBody>
       </p:sp>
       <p:sp>
@@ -7161,6 +7088,17 @@
               </a:rPr>
               <a:t> </a:t>
             </a:r>
+            <a:endParaRPr lang="en-US" altLang="zh-CN" sz="4100">
+              <a:solidFill>
+                <a:schemeClr val="tx2"/>
+              </a:solidFill>
+              <a:effectLst>
+                <a:outerShdw blurRad="38100" dist="38100" dir="2700000">
+                  <a:srgbClr val="000000"/>
+                </a:outerShdw>
+              </a:effectLst>
+              <a:latin typeface="B Frutiger Bold" pitchFamily="-124" charset="0"/>
+            </a:endParaRPr>
           </a:p>
         </p:txBody>
       </p:sp>
@@ -7173,7 +7111,7 @@
           <p:nvPr/>
         </p:nvPicPr>
         <p:blipFill>
-          <a:blip r:embed="rId2"/>
+          <a:blip r:embed="rId1"/>
           <a:stretch>
             <a:fillRect/>
           </a:stretch>
@@ -7230,6 +7168,17 @@
               </a:rPr>
               <a:t>Divide-and-Conquer</a:t>
             </a:r>
+            <a:endParaRPr lang="en-US" altLang="zh-CN" b="1">
+              <a:solidFill>
+                <a:srgbClr val="FFFF99"/>
+              </a:solidFill>
+              <a:effectLst>
+                <a:outerShdw blurRad="38100" dist="38100" dir="2700000">
+                  <a:srgbClr val="000000"/>
+                </a:outerShdw>
+              </a:effectLst>
+              <a:ea typeface="ヒラギノ角ゴ Pro W3" pitchFamily="84" charset="-128"/>
+            </a:endParaRPr>
           </a:p>
         </p:txBody>
       </p:sp>
@@ -7242,7 +7191,7 @@
           <p:nvPr/>
         </p:nvPicPr>
         <p:blipFill>
-          <a:blip r:embed="rId3"/>
+          <a:blip r:embed="rId2"/>
           <a:stretch>
             <a:fillRect/>
           </a:stretch>
@@ -7334,9 +7283,7 @@
             <p:ph type="title"/>
           </p:nvPr>
         </p:nvSpPr>
-        <p:spPr>
-          <a:ln/>
-        </p:spPr>
+        <p:spPr/>
         <p:txBody>
           <a:bodyPr anchor="b"/>
           <a:lstStyle/>
@@ -7345,6 +7292,7 @@
               <a:rPr lang="en-US" altLang="zh-CN"/>
               <a:t>Analysis of Mergesort</a:t>
             </a:r>
+            <a:endParaRPr lang="en-US" altLang="zh-CN"/>
           </a:p>
         </p:txBody>
       </p:sp>
@@ -7358,9 +7306,7 @@
             <p:ph type="body" idx="1"/>
           </p:nvPr>
         </p:nvSpPr>
-        <p:spPr>
-          <a:ln/>
-        </p:spPr>
+        <p:spPr/>
         <p:txBody>
           <a:bodyPr/>
           <a:lstStyle/>
@@ -7406,19 +7352,25 @@
               </a:rPr>
               <a:t>) </a:t>
             </a:r>
-          </a:p>
-          <a:p>
             <a:endParaRPr lang="en-US" altLang="zh-CN">
               <a:cs typeface="Times New Roman" panose="02020603050405020304" pitchFamily="18" charset="0"/>
             </a:endParaRPr>
           </a:p>
           <a:p>
+            <a:endParaRPr lang="en-US" altLang="zh-CN">
+              <a:cs typeface="Times New Roman" panose="02020603050405020304" pitchFamily="18" charset="0"/>
+            </a:endParaRPr>
+          </a:p>
+          <a:p>
             <a:r>
               <a:rPr lang="en-US" altLang="zh-CN">
                 <a:cs typeface="Times New Roman" panose="02020603050405020304" pitchFamily="18" charset="0"/>
               </a:rPr>
               <a:t>Number of comparisons in the worst case is close to theoretical minimum for comparison-based sorting: </a:t>
             </a:r>
+            <a:endParaRPr lang="en-US" altLang="zh-CN">
+              <a:cs typeface="Times New Roman" panose="02020603050405020304" pitchFamily="18" charset="0"/>
+            </a:endParaRPr>
           </a:p>
           <a:p>
             <a:pPr lvl="1">
@@ -7529,6 +7481,9 @@
               </a:rPr>
               <a:t>n</a:t>
             </a:r>
+            <a:endParaRPr lang="en-US" altLang="zh-CN" sz="2400" i="1">
+              <a:cs typeface="Times New Roman" panose="02020603050405020304" pitchFamily="18" charset="0"/>
+            </a:endParaRPr>
           </a:p>
           <a:p>
             <a:endParaRPr lang="en-US" altLang="zh-CN">
@@ -7579,6 +7534,9 @@
               </a:rPr>
               <a:t> in-place)</a:t>
             </a:r>
+            <a:endParaRPr lang="en-US" altLang="zh-CN">
+              <a:cs typeface="Times New Roman" panose="02020603050405020304" pitchFamily="18" charset="0"/>
+            </a:endParaRPr>
           </a:p>
           <a:p>
             <a:endParaRPr lang="en-US" altLang="zh-CN">
@@ -7658,6 +7616,13 @@
               </a:rPr>
               <a:t>(n), T(1) = 0</a:t>
             </a:r>
+            <a:endParaRPr lang="en-US" altLang="zh-CN" b="1" i="1">
+              <a:effectLst>
+                <a:outerShdw blurRad="38100" dist="38100" dir="2700000">
+                  <a:srgbClr val="000000"/>
+                </a:outerShdw>
+              </a:effectLst>
+            </a:endParaRPr>
           </a:p>
         </p:txBody>
       </p:sp>
@@ -7820,9 +7785,7 @@
             <p:ph type="title"/>
           </p:nvPr>
         </p:nvSpPr>
-        <p:spPr>
-          <a:ln/>
-        </p:spPr>
+        <p:spPr/>
         <p:txBody>
           <a:bodyPr anchor="b"/>
           <a:lstStyle/>
@@ -7831,6 +7794,7 @@
               <a:rPr lang="en-US" altLang="zh-CN"/>
               <a:t>Quicksort</a:t>
             </a:r>
+            <a:endParaRPr lang="en-US" altLang="zh-CN"/>
           </a:p>
         </p:txBody>
       </p:sp>
@@ -7849,7 +7813,6 @@
             <a:off x="609600" y="1266825"/>
             <a:ext cx="8305800" cy="5210175"/>
           </a:xfrm>
-          <a:ln/>
         </p:spPr>
         <p:txBody>
           <a:bodyPr/>
@@ -7867,6 +7830,7 @@
               <a:rPr lang="en-US" altLang="zh-CN"/>
               <a:t> (partitioning element) – here, the first element</a:t>
             </a:r>
+            <a:endParaRPr lang="en-US" altLang="zh-CN"/>
           </a:p>
           <a:p>
             <a:r>
@@ -7924,6 +7888,9 @@
               </a:rPr>
               <a:t> subarray — the pivot is now in its final position</a:t>
             </a:r>
+            <a:endParaRPr lang="en-US" altLang="zh-CN">
+              <a:cs typeface="Times New Roman" panose="02020603050405020304" pitchFamily="18" charset="0"/>
+            </a:endParaRPr>
           </a:p>
           <a:p>
             <a:r>
@@ -7932,6 +7899,9 @@
               </a:rPr>
               <a:t>Sort the two subarrays recursively</a:t>
             </a:r>
+            <a:endParaRPr lang="en-US" altLang="zh-CN">
+              <a:cs typeface="Times New Roman" panose="02020603050405020304" pitchFamily="18" charset="0"/>
+            </a:endParaRPr>
           </a:p>
           <a:p>
             <a:endParaRPr lang="en-US" altLang="zh-CN"/>
@@ -7996,9 +7966,7 @@
             <p:txBody>
               <a:bodyPr wrap="none" anchor="ctr"/>
               <a:lstStyle/>
-              <a:p>
-                <a:endParaRPr/>
-              </a:p>
+              <a:p/>
             </p:txBody>
           </p:sp>
           <p:sp>
@@ -8111,6 +8079,11 @@
                   </a:rPr>
                   <a:t>p</a:t>
                 </a:r>
+                <a:endParaRPr lang="en-US" altLang="zh-CN" i="1">
+                  <a:solidFill>
+                    <a:schemeClr val="bg2"/>
+                  </a:solidFill>
+                </a:endParaRPr>
               </a:p>
             </p:txBody>
           </p:sp>
@@ -8333,9 +8306,7 @@
             <p:ph type="title"/>
           </p:nvPr>
         </p:nvSpPr>
-        <p:spPr>
-          <a:ln/>
-        </p:spPr>
+        <p:spPr/>
         <p:txBody>
           <a:bodyPr anchor="b"/>
           <a:lstStyle/>
@@ -8344,6 +8315,7 @@
               <a:rPr lang="en-US" altLang="zh-CN"/>
               <a:t>Partitioning Algorithm</a:t>
             </a:r>
+            <a:endParaRPr lang="en-US" altLang="zh-CN"/>
           </a:p>
         </p:txBody>
       </p:sp>
@@ -8358,7 +8330,7 @@
           </p:nvPr>
         </p:nvPicPr>
         <p:blipFill>
-          <a:blip r:embed="rId3"/>
+          <a:blip r:embed="rId1"/>
           <a:stretch>
             <a:fillRect/>
           </a:stretch>
@@ -8368,7 +8340,6 @@
             <a:off x="457200" y="1157288"/>
             <a:ext cx="8686800" cy="4938712"/>
           </a:xfrm>
-          <a:ln/>
         </p:spPr>
       </p:pic>
       <p:sp>
@@ -8469,6 +8440,11 @@
               </a:rPr>
               <a:t> comparisons</a:t>
             </a:r>
+            <a:endParaRPr lang="en-US" altLang="zh-CN">
+              <a:solidFill>
+                <a:srgbClr val="FF9933"/>
+              </a:solidFill>
+            </a:endParaRPr>
           </a:p>
         </p:txBody>
       </p:sp>
@@ -8521,6 +8497,11 @@
               </a:rPr>
               <a:t>i &gt; r</a:t>
             </a:r>
+            <a:endParaRPr lang="en-US" altLang="zh-CN" i="1">
+              <a:solidFill>
+                <a:schemeClr val="bg2"/>
+              </a:solidFill>
+            </a:endParaRPr>
           </a:p>
           <a:p>
             <a:pPr>
@@ -8547,6 +8528,11 @@
               </a:rPr>
               <a:t>j = l </a:t>
             </a:r>
+            <a:endParaRPr lang="en-US" altLang="zh-CN" i="1">
+              <a:solidFill>
+                <a:schemeClr val="bg2"/>
+              </a:solidFill>
+            </a:endParaRPr>
           </a:p>
         </p:txBody>
       </p:sp>
@@ -8588,6 +8574,11 @@
               </a:rPr>
               <a:t>&lt;</a:t>
             </a:r>
+            <a:endParaRPr lang="en-US" altLang="zh-CN" sz="2000">
+              <a:solidFill>
+                <a:schemeClr val="bg2"/>
+              </a:solidFill>
+            </a:endParaRPr>
           </a:p>
         </p:txBody>
       </p:sp>
@@ -8804,9 +8795,7 @@
             <p:ph type="title"/>
           </p:nvPr>
         </p:nvSpPr>
-        <p:spPr>
-          <a:ln/>
-        </p:spPr>
+        <p:spPr/>
         <p:txBody>
           <a:bodyPr anchor="b"/>
           <a:lstStyle/>
@@ -8815,6 +8804,7 @@
               <a:rPr lang="en-US" altLang="zh-CN"/>
               <a:t>Quicksort Example</a:t>
             </a:r>
+            <a:endParaRPr lang="en-US" altLang="zh-CN"/>
           </a:p>
         </p:txBody>
       </p:sp>
@@ -8828,9 +8818,7 @@
             <p:ph type="body" idx="1"/>
           </p:nvPr>
         </p:nvSpPr>
-        <p:spPr>
-          <a:ln/>
-        </p:spPr>
+        <p:spPr/>
         <p:txBody>
           <a:bodyPr/>
           <a:lstStyle/>
@@ -8842,6 +8830,7 @@
               <a:rPr lang="en-US" altLang="zh-CN" sz="2800"/>
               <a:t>5   3   1   9   8   2   4   7</a:t>
             </a:r>
+            <a:endParaRPr lang="en-US" altLang="zh-CN" sz="2800"/>
           </a:p>
           <a:p>
             <a:pPr>
@@ -8897,6 +8886,7 @@
               <a:rPr lang="en-US" altLang="zh-CN"/>
               <a:t>  8  9  7</a:t>
             </a:r>
+            <a:endParaRPr lang="en-US" altLang="zh-CN"/>
           </a:p>
           <a:p>
             <a:pPr algn="l">
@@ -8944,6 +8934,7 @@
               <a:rPr lang="en-US" altLang="zh-CN"/>
               <a:t>  9</a:t>
             </a:r>
+            <a:endParaRPr lang="en-US" altLang="zh-CN"/>
           </a:p>
           <a:p>
             <a:pPr algn="l">
@@ -9031,6 +9022,11 @@
               </a:rPr>
               <a:t>9</a:t>
             </a:r>
+            <a:endParaRPr lang="en-US" altLang="zh-CN">
+              <a:solidFill>
+                <a:srgbClr val="FF9933"/>
+              </a:solidFill>
+            </a:endParaRPr>
           </a:p>
           <a:p>
             <a:pPr algn="l">
@@ -9062,6 +9058,11 @@
               </a:rPr>
               <a:t>5  7  8  9</a:t>
             </a:r>
+            <a:endParaRPr lang="en-US" altLang="zh-CN">
+              <a:solidFill>
+                <a:schemeClr val="bg2"/>
+              </a:solidFill>
+            </a:endParaRPr>
           </a:p>
           <a:p>
             <a:pPr algn="l">
@@ -9077,6 +9078,11 @@
               </a:rPr>
               <a:t>1  2  3  4  5  7  8  9</a:t>
             </a:r>
+            <a:endParaRPr lang="en-US" altLang="zh-CN">
+              <a:solidFill>
+                <a:schemeClr val="bg2"/>
+              </a:solidFill>
+            </a:endParaRPr>
           </a:p>
         </p:txBody>
       </p:sp>
@@ -9239,9 +9245,7 @@
             <p:ph type="title"/>
           </p:nvPr>
         </p:nvSpPr>
-        <p:spPr>
-          <a:ln/>
-        </p:spPr>
+        <p:spPr/>
         <p:txBody>
           <a:bodyPr anchor="b"/>
           <a:lstStyle/>
@@ -9250,6 +9254,7 @@
               <a:rPr lang="en-US" altLang="zh-CN"/>
               <a:t>Analysis of Quicksort</a:t>
             </a:r>
+            <a:endParaRPr lang="en-US" altLang="zh-CN"/>
           </a:p>
         </p:txBody>
       </p:sp>
@@ -9268,7 +9273,6 @@
             <a:off x="609600" y="1066800"/>
             <a:ext cx="8534400" cy="5562600"/>
           </a:xfrm>
-          <a:ln/>
         </p:spPr>
         <p:txBody>
           <a:bodyPr/>
@@ -9321,6 +9325,9 @@
               </a:rPr>
               <a:t>) </a:t>
             </a:r>
+            <a:endParaRPr lang="en-US" altLang="zh-CN">
+              <a:cs typeface="Times New Roman" panose="02020603050405020304" pitchFamily="18" charset="0"/>
+            </a:endParaRPr>
           </a:p>
           <a:p>
             <a:r>
@@ -9360,6 +9367,9 @@
               </a:rPr>
               <a:t>) </a:t>
             </a:r>
+            <a:endParaRPr lang="en-US" altLang="zh-CN">
+              <a:cs typeface="Times New Roman" panose="02020603050405020304" pitchFamily="18" charset="0"/>
+            </a:endParaRPr>
           </a:p>
           <a:p>
             <a:r>
@@ -9413,19 +9423,25 @@
               </a:rPr>
               <a:t>)</a:t>
             </a:r>
-          </a:p>
-          <a:p>
             <a:endParaRPr lang="en-US" altLang="zh-CN">
               <a:cs typeface="Times New Roman" panose="02020603050405020304" pitchFamily="18" charset="0"/>
             </a:endParaRPr>
           </a:p>
           <a:p>
+            <a:endParaRPr lang="en-US" altLang="zh-CN">
+              <a:cs typeface="Times New Roman" panose="02020603050405020304" pitchFamily="18" charset="0"/>
+            </a:endParaRPr>
+          </a:p>
+          <a:p>
             <a:r>
               <a:rPr lang="en-US" altLang="zh-CN">
                 <a:cs typeface="Times New Roman" panose="02020603050405020304" pitchFamily="18" charset="0"/>
               </a:rPr>
               <a:t>Improvements:</a:t>
             </a:r>
+            <a:endParaRPr lang="en-US" altLang="zh-CN">
+              <a:cs typeface="Times New Roman" panose="02020603050405020304" pitchFamily="18" charset="0"/>
+            </a:endParaRPr>
           </a:p>
           <a:p>
             <a:pPr lvl="1"/>
@@ -9435,6 +9451,9 @@
               </a:rPr>
               <a:t>better pivot selection: median of three partitioning </a:t>
             </a:r>
+            <a:endParaRPr lang="en-US" altLang="zh-CN" sz="2400">
+              <a:cs typeface="Times New Roman" panose="02020603050405020304" pitchFamily="18" charset="0"/>
+            </a:endParaRPr>
           </a:p>
           <a:p>
             <a:pPr lvl="1"/>
@@ -9444,6 +9463,9 @@
               </a:rPr>
               <a:t>switch to insertion sort on small subfiles</a:t>
             </a:r>
+            <a:endParaRPr lang="en-US" altLang="zh-CN" sz="2400">
+              <a:cs typeface="Times New Roman" panose="02020603050405020304" pitchFamily="18" charset="0"/>
+            </a:endParaRPr>
           </a:p>
           <a:p>
             <a:pPr lvl="1"/>
@@ -9453,6 +9475,9 @@
               </a:rPr>
               <a:t>elimination of recursion</a:t>
             </a:r>
+            <a:endParaRPr lang="en-US" altLang="zh-CN" sz="2400">
+              <a:cs typeface="Times New Roman" panose="02020603050405020304" pitchFamily="18" charset="0"/>
+            </a:endParaRPr>
           </a:p>
           <a:p>
             <a:pPr lvl="1">
@@ -9464,6 +9489,9 @@
               </a:rPr>
               <a:t>These combine to 20-25% improvement</a:t>
             </a:r>
+            <a:endParaRPr lang="en-US" altLang="zh-CN" sz="2400">
+              <a:cs typeface="Times New Roman" panose="02020603050405020304" pitchFamily="18" charset="0"/>
+            </a:endParaRPr>
           </a:p>
           <a:p>
             <a:endParaRPr lang="en-US" altLang="zh-CN">
@@ -9502,6 +9530,9 @@
               </a:rPr>
               <a:t> 10000)</a:t>
             </a:r>
+            <a:endParaRPr lang="en-US" altLang="zh-CN">
+              <a:cs typeface="Times New Roman" panose="02020603050405020304" pitchFamily="18" charset="0"/>
+            </a:endParaRPr>
           </a:p>
           <a:p>
             <a:pPr>
@@ -9764,9 +9795,7 @@
             <p:ph type="title"/>
           </p:nvPr>
         </p:nvSpPr>
-        <p:spPr>
-          <a:ln/>
-        </p:spPr>
+        <p:spPr/>
         <p:txBody>
           <a:bodyPr anchor="b"/>
           <a:lstStyle/>
@@ -9775,6 +9804,7 @@
               <a:rPr lang="en-US" altLang="zh-CN"/>
               <a:t>Binary Search</a:t>
             </a:r>
+            <a:endParaRPr lang="en-US" altLang="zh-CN"/>
           </a:p>
         </p:txBody>
       </p:sp>
@@ -9793,7 +9823,6 @@
             <a:off x="609600" y="1143000"/>
             <a:ext cx="8534400" cy="5438775"/>
           </a:xfrm>
-          <a:ln/>
         </p:spPr>
         <p:txBody>
           <a:bodyPr/>
@@ -9817,6 +9846,7 @@
               <a:rPr lang="en-US" altLang="zh-CN"/>
               <a:t>:</a:t>
             </a:r>
+            <a:endParaRPr lang="en-US" altLang="zh-CN"/>
           </a:p>
           <a:p>
             <a:pPr>
@@ -9833,6 +9863,7 @@
               <a:rPr lang="en-US" altLang="zh-CN" i="1"/>
               <a:t>K</a:t>
             </a:r>
+            <a:endParaRPr lang="en-US" altLang="zh-CN" i="1"/>
           </a:p>
           <a:p>
             <a:pPr>
@@ -9845,6 +9876,7 @@
               <a:rPr lang="en-US" altLang="zh-CN"/>
               <a:t>				          vs</a:t>
             </a:r>
+            <a:endParaRPr lang="en-US" altLang="zh-CN"/>
           </a:p>
           <a:p>
             <a:pPr>
@@ -9873,6 +9905,7 @@
               <a:rPr lang="en-US" altLang="zh-CN"/>
               <a:t>-1]</a:t>
             </a:r>
+            <a:endParaRPr lang="en-US" altLang="zh-CN"/>
           </a:p>
           <a:p>
             <a:pPr>
@@ -9901,6 +9934,7 @@
               <a:rPr lang="en-US" altLang="zh-CN"/>
               <a:t>], stop (successful search);  otherwise, continue</a:t>
             </a:r>
+            <a:endParaRPr lang="en-US" altLang="zh-CN"/>
           </a:p>
           <a:p>
             <a:pPr>
@@ -9937,6 +9971,7 @@
               <a:rPr lang="en-US" altLang="zh-CN"/>
               <a:t>]</a:t>
             </a:r>
+            <a:endParaRPr lang="en-US" altLang="zh-CN"/>
           </a:p>
           <a:p>
             <a:pPr>
@@ -10027,6 +10062,9 @@
               </a:rPr>
               <a:t>-1</a:t>
             </a:r>
+            <a:endParaRPr lang="en-US" altLang="zh-CN">
+              <a:sym typeface="Symbol" panose="05050102010706020507" pitchFamily="84" charset="2"/>
+            </a:endParaRPr>
           </a:p>
           <a:p>
             <a:pPr>
@@ -10065,6 +10103,9 @@
               </a:rPr>
               <a:t> do</a:t>
             </a:r>
+            <a:endParaRPr lang="en-US" altLang="zh-CN">
+              <a:sym typeface="Symbol" panose="05050102010706020507" pitchFamily="84" charset="2"/>
+            </a:endParaRPr>
           </a:p>
           <a:p>
             <a:pPr>
@@ -10115,6 +10156,9 @@
               </a:rPr>
               <a:t>)/2</a:t>
             </a:r>
+            <a:endParaRPr lang="en-US" altLang="zh-CN">
+              <a:sym typeface="Symbol" panose="05050102010706020507" pitchFamily="84" charset="2"/>
+            </a:endParaRPr>
           </a:p>
           <a:p>
             <a:pPr>
@@ -10224,6 +10268,9 @@
               </a:rPr>
               <a:t>-1</a:t>
             </a:r>
+            <a:endParaRPr lang="en-US" altLang="zh-CN">
+              <a:sym typeface="Symbol" panose="05050102010706020507" pitchFamily="84" charset="2"/>
+            </a:endParaRPr>
           </a:p>
           <a:p>
             <a:pPr>
@@ -10260,6 +10307,9 @@
               </a:rPr>
               <a:t>+1</a:t>
             </a:r>
+            <a:endParaRPr lang="en-US" altLang="zh-CN">
+              <a:sym typeface="Symbol" panose="05050102010706020507" pitchFamily="84" charset="2"/>
+            </a:endParaRPr>
           </a:p>
           <a:p>
             <a:pPr>
@@ -10274,6 +10324,9 @@
               </a:rPr>
               <a:t>return -1</a:t>
             </a:r>
+            <a:endParaRPr lang="en-US" altLang="zh-CN">
+              <a:sym typeface="Symbol" panose="05050102010706020507" pitchFamily="84" charset="2"/>
+            </a:endParaRPr>
           </a:p>
         </p:txBody>
       </p:sp>
@@ -10312,9 +10365,7 @@
             <p:ph type="title"/>
           </p:nvPr>
         </p:nvSpPr>
-        <p:spPr>
-          <a:ln/>
-        </p:spPr>
+        <p:spPr/>
         <p:txBody>
           <a:bodyPr anchor="b"/>
           <a:lstStyle/>
@@ -10323,6 +10374,7 @@
               <a:rPr lang="en-US" altLang="zh-CN"/>
               <a:t>Analysis of Binary Search</a:t>
             </a:r>
+            <a:endParaRPr lang="en-US" altLang="zh-CN"/>
           </a:p>
         </p:txBody>
       </p:sp>
@@ -10341,7 +10393,6 @@
             <a:off x="609600" y="1066800"/>
             <a:ext cx="8534400" cy="5438775"/>
           </a:xfrm>
-          <a:ln/>
         </p:spPr>
         <p:txBody>
           <a:bodyPr/>
@@ -10351,6 +10402,7 @@
               <a:rPr lang="en-US" altLang="zh-CN" sz="2000"/>
               <a:t>Time efficiency</a:t>
             </a:r>
+            <a:endParaRPr lang="en-US" altLang="zh-CN" sz="2000"/>
           </a:p>
           <a:p>
             <a:pPr lvl="1"/>
@@ -10593,6 +10645,7 @@
               <a:rPr lang="en-US" altLang="zh-CN" sz="2000"/>
               <a:t>because only one of the sub-instances is solved</a:t>
             </a:r>
+            <a:endParaRPr lang="en-US" altLang="zh-CN" sz="2000"/>
           </a:p>
           <a:p>
             <a:pPr>
@@ -10700,9 +10753,7 @@
             <p:ph type="title"/>
           </p:nvPr>
         </p:nvSpPr>
-        <p:spPr>
-          <a:ln/>
-        </p:spPr>
+        <p:spPr/>
         <p:txBody>
           <a:bodyPr anchor="b"/>
           <a:lstStyle/>
@@ -10711,6 +10762,7 @@
               <a:rPr lang="en-US" altLang="zh-CN"/>
               <a:t>Binary Tree Algorithms</a:t>
             </a:r>
+            <a:endParaRPr lang="en-US" altLang="zh-CN"/>
           </a:p>
         </p:txBody>
       </p:sp>
@@ -10729,7 +10781,6 @@
             <a:off x="609600" y="1266825"/>
             <a:ext cx="8534400" cy="5286375"/>
           </a:xfrm>
-          <a:ln/>
         </p:spPr>
         <p:txBody>
           <a:bodyPr/>
@@ -10742,6 +10793,7 @@
               <a:rPr lang="en-US" altLang="zh-CN"/>
               <a:t>Binary tree is a divide-and-conquer ready structure!</a:t>
             </a:r>
+            <a:endParaRPr lang="en-US" altLang="zh-CN"/>
           </a:p>
           <a:p>
             <a:pPr>
@@ -10757,6 +10809,7 @@
               <a:rPr lang="en-US" altLang="zh-CN"/>
               <a:t>Ex. 1: Classic traversals (preorder, inorder, postorder)</a:t>
             </a:r>
+            <a:endParaRPr lang="en-US" altLang="zh-CN"/>
           </a:p>
           <a:p>
             <a:pPr>
@@ -10782,6 +10835,7 @@
               <a:rPr lang="en-US" altLang="zh-CN"/>
               <a:t>)</a:t>
             </a:r>
+            <a:endParaRPr lang="en-US" altLang="zh-CN"/>
           </a:p>
           <a:p>
             <a:pPr>
@@ -11394,6 +11448,7 @@
               <a:rPr lang="en-US" altLang="zh-CN"/>
               <a:t>Each node is visited/printed once.</a:t>
             </a:r>
+            <a:endParaRPr lang="en-US" altLang="zh-CN"/>
           </a:p>
         </p:txBody>
       </p:sp>
@@ -11556,9 +11611,7 @@
             <p:ph type="title"/>
           </p:nvPr>
         </p:nvSpPr>
-        <p:spPr>
-          <a:ln/>
-        </p:spPr>
+        <p:spPr/>
         <p:txBody>
           <a:bodyPr anchor="b"/>
           <a:lstStyle/>
@@ -11567,6 +11620,7 @@
               <a:rPr lang="en-US" altLang="zh-CN"/>
               <a:t>Binary Tree Algorithms (cont.)</a:t>
             </a:r>
+            <a:endParaRPr lang="en-US" altLang="zh-CN"/>
           </a:p>
         </p:txBody>
       </p:sp>
@@ -11585,7 +11639,6 @@
             <a:off x="609600" y="1266825"/>
             <a:ext cx="7848600" cy="4905375"/>
           </a:xfrm>
-          <a:ln/>
         </p:spPr>
         <p:txBody>
           <a:bodyPr/>
@@ -11598,6 +11651,7 @@
               <a:rPr lang="en-US" altLang="zh-CN"/>
               <a:t>Ex. 2: Computing the height of a binary tree </a:t>
             </a:r>
+            <a:endParaRPr lang="en-US" altLang="zh-CN"/>
           </a:p>
         </p:txBody>
       </p:sp>
@@ -11612,7 +11666,7 @@
           </p:nvPr>
         </p:nvPicPr>
         <p:blipFill>
-          <a:blip r:embed="rId3"/>
+          <a:blip r:embed="rId1"/>
           <a:stretch>
             <a:fillRect/>
           </a:stretch>
@@ -11622,7 +11676,6 @@
             <a:off x="2743200" y="1447800"/>
             <a:ext cx="3657600" cy="2687638"/>
           </a:xfrm>
-          <a:ln/>
         </p:spPr>
       </p:pic>
       <p:sp>
@@ -12022,6 +12075,7 @@
               <a:rPr lang="en-US" altLang="zh-CN"/>
               <a:t> </a:t>
             </a:r>
+            <a:endParaRPr lang="en-US" altLang="zh-CN"/>
           </a:p>
         </p:txBody>
       </p:sp>
@@ -12065,7 +12119,6 @@
             <a:off x="609600" y="304800"/>
             <a:ext cx="7772400" cy="609600"/>
           </a:xfrm>
-          <a:ln/>
         </p:spPr>
         <p:txBody>
           <a:bodyPr anchor="b"/>
@@ -12075,6 +12128,7 @@
               <a:rPr lang="en-US" altLang="zh-CN"/>
               <a:t>Multiplication of Large Integers </a:t>
             </a:r>
+            <a:endParaRPr lang="en-US" altLang="zh-CN"/>
           </a:p>
         </p:txBody>
       </p:sp>
@@ -12093,7 +12147,6 @@
             <a:off x="609600" y="1143000"/>
             <a:ext cx="8534400" cy="5715000"/>
           </a:xfrm>
-          <a:ln/>
         </p:spPr>
         <p:txBody>
           <a:bodyPr/>
@@ -12268,6 +12321,7 @@
               <a:rPr lang="en-US" altLang="zh-CN" i="1" baseline="-25000"/>
               <a:t>n</a:t>
             </a:r>
+            <a:endParaRPr lang="en-US" altLang="zh-CN" i="1" baseline="-25000"/>
           </a:p>
           <a:p>
             <a:pPr marL="0" indent="0">
@@ -12332,6 +12386,7 @@
               <a:rPr lang="en-US" altLang="zh-CN" i="1" baseline="-25000"/>
               <a:t>n</a:t>
             </a:r>
+            <a:endParaRPr lang="en-US" altLang="zh-CN" i="1" baseline="-25000"/>
           </a:p>
           <a:p>
             <a:pPr marL="0" indent="0">
@@ -12417,6 +12472,7 @@
               <a:rPr lang="en-US" altLang="zh-CN" i="1" baseline="-25000"/>
               <a:t>nn</a:t>
             </a:r>
+            <a:endParaRPr lang="en-US" altLang="zh-CN" i="1" baseline="-25000"/>
           </a:p>
           <a:p>
             <a:pPr marL="0" indent="0">
@@ -12455,6 +12511,7 @@
               <a:rPr lang="en-US" altLang="zh-CN"/>
               <a:t>) single-digit multiplications</a:t>
             </a:r>
+            <a:endParaRPr lang="en-US" altLang="zh-CN"/>
           </a:p>
         </p:txBody>
       </p:sp>
@@ -12541,9 +12598,7 @@
             <p:ph type="title"/>
           </p:nvPr>
         </p:nvSpPr>
-        <p:spPr>
-          <a:ln/>
-        </p:spPr>
+        <p:spPr/>
         <p:txBody>
           <a:bodyPr anchor="b"/>
           <a:lstStyle/>
@@ -12552,6 +12607,7 @@
               <a:rPr lang="en-US" altLang="zh-CN"/>
               <a:t>Divide-and-Conquer</a:t>
             </a:r>
+            <a:endParaRPr lang="en-US" altLang="zh-CN"/>
           </a:p>
         </p:txBody>
       </p:sp>
@@ -12565,9 +12621,7 @@
             <p:ph type="body" idx="1"/>
           </p:nvPr>
         </p:nvSpPr>
-        <p:spPr>
-          <a:ln/>
-        </p:spPr>
+        <p:spPr/>
         <p:txBody>
           <a:bodyPr/>
           <a:lstStyle/>
@@ -12579,6 +12633,7 @@
               <a:rPr lang="en-US" altLang="zh-CN"/>
               <a:t>The most-well known algorithm design strategy:</a:t>
             </a:r>
+            <a:endParaRPr lang="en-US" altLang="zh-CN"/>
           </a:p>
           <a:p>
             <a:pPr marL="457200" indent="-457200">
@@ -12589,6 +12644,7 @@
               <a:rPr lang="en-US" altLang="zh-CN"/>
               <a:t> Divide instance of problem into two or more smaller instances</a:t>
             </a:r>
+            <a:endParaRPr lang="en-US" altLang="zh-CN"/>
           </a:p>
           <a:p>
             <a:pPr marL="457200" indent="-457200">
@@ -12606,6 +12662,7 @@
               <a:rPr lang="en-US" altLang="zh-CN"/>
               <a:t>Solve smaller instances recursively</a:t>
             </a:r>
+            <a:endParaRPr lang="en-US" altLang="zh-CN"/>
           </a:p>
           <a:p>
             <a:pPr marL="457200" indent="-457200">
@@ -12623,6 +12680,7 @@
               <a:rPr lang="en-US" altLang="zh-CN"/>
               <a:t>Obtain solution to original (larger) instance by combining these solutions</a:t>
             </a:r>
+            <a:endParaRPr lang="en-US" altLang="zh-CN"/>
           </a:p>
           <a:p>
             <a:pPr marL="457200" indent="-457200">
@@ -12673,7 +12731,6 @@
             <a:off x="457200" y="304800"/>
             <a:ext cx="7772400" cy="533400"/>
           </a:xfrm>
-          <a:ln/>
         </p:spPr>
         <p:txBody>
           <a:bodyPr anchor="b"/>
@@ -12683,6 +12740,7 @@
               <a:rPr lang="en-US" altLang="zh-CN"/>
               <a:t>First Divide-and-Conquer Algorithm</a:t>
             </a:r>
+            <a:endParaRPr lang="en-US" altLang="zh-CN"/>
           </a:p>
         </p:txBody>
       </p:sp>
@@ -12701,7 +12759,6 @@
             <a:off x="457200" y="1066800"/>
             <a:ext cx="8686800" cy="5638800"/>
           </a:xfrm>
-          <a:ln/>
         </p:spPr>
         <p:txBody>
           <a:bodyPr/>
@@ -12724,6 +12781,7 @@
               <a:rPr lang="en-US" altLang="zh-CN"/>
               <a:t> B where A = 2135 and B = 4014</a:t>
             </a:r>
+            <a:endParaRPr lang="en-US" altLang="zh-CN"/>
           </a:p>
           <a:p>
             <a:pPr marL="0" indent="0">
@@ -12749,6 +12807,7 @@
               <a:rPr lang="en-US" altLang="zh-CN"/>
               <a:t> + 14)</a:t>
             </a:r>
+            <a:endParaRPr lang="en-US" altLang="zh-CN"/>
           </a:p>
           <a:p>
             <a:pPr marL="0" indent="0">
@@ -12806,6 +12865,7 @@
               <a:rPr lang="en-US" altLang="zh-CN"/>
               <a:t> + 14) </a:t>
             </a:r>
+            <a:endParaRPr lang="en-US" altLang="zh-CN"/>
           </a:p>
           <a:p>
             <a:pPr marL="0" indent="0">
@@ -12936,6 +12996,7 @@
               <a:rPr lang="en-US" altLang="zh-CN"/>
               <a:t>-digit, </a:t>
             </a:r>
+            <a:endParaRPr lang="en-US" altLang="zh-CN"/>
           </a:p>
           <a:p>
             <a:pPr marL="0" indent="0">
@@ -12993,6 +13054,7 @@
               <a:rPr lang="en-US" altLang="zh-CN"/>
               <a:t>2-digit numbers),</a:t>
             </a:r>
+            <a:endParaRPr lang="en-US" altLang="zh-CN"/>
           </a:p>
           <a:p>
             <a:pPr marL="0" indent="0">
@@ -13162,6 +13224,7 @@
               <a:rPr lang="en-US" altLang="zh-CN"/>
               <a:t>): </a:t>
             </a:r>
+            <a:endParaRPr lang="en-US" altLang="zh-CN"/>
           </a:p>
           <a:p>
             <a:pPr marL="0" indent="0">
@@ -13214,6 +13277,7 @@
               <a:rPr lang="en-US" altLang="zh-CN" baseline="30000"/>
               <a:t>2 </a:t>
             </a:r>
+            <a:endParaRPr lang="en-US" altLang="zh-CN" baseline="30000"/>
           </a:p>
         </p:txBody>
       </p:sp>
@@ -13257,7 +13321,6 @@
             <a:off x="457200" y="228600"/>
             <a:ext cx="8229600" cy="609600"/>
           </a:xfrm>
-          <a:ln/>
         </p:spPr>
         <p:txBody>
           <a:bodyPr anchor="b"/>
@@ -13267,6 +13330,7 @@
               <a:rPr lang="en-US" altLang="zh-CN"/>
               <a:t>Second Divide-and-Conquer Algorithm</a:t>
             </a:r>
+            <a:endParaRPr lang="en-US" altLang="zh-CN"/>
           </a:p>
         </p:txBody>
       </p:sp>
@@ -13285,7 +13349,6 @@
             <a:off x="533400" y="1295400"/>
             <a:ext cx="8763000" cy="5562600"/>
           </a:xfrm>
-          <a:ln/>
         </p:spPr>
         <p:txBody>
           <a:bodyPr/>
@@ -13429,6 +13492,7 @@
               <a:rPr lang="en-US" altLang="zh-CN"/>
               <a:t>The idea is to decrease the number of multiplications from 4 to 3:  </a:t>
             </a:r>
+            <a:endParaRPr lang="en-US" altLang="zh-CN"/>
           </a:p>
           <a:p>
             <a:pPr marL="0" indent="0">
@@ -13744,6 +13808,7 @@
               <a:rPr lang="en-US" altLang="zh-CN"/>
               <a:t>which requires only 3 multiplications at the expense of (4-1) extra add/sub.</a:t>
             </a:r>
+            <a:endParaRPr lang="en-US" altLang="zh-CN"/>
           </a:p>
           <a:p>
             <a:pPr marL="0" indent="0">
@@ -13898,6 +13963,7 @@
               <a:rPr lang="en-US" altLang="zh-CN" baseline="30000"/>
               <a:t>1.585 </a:t>
             </a:r>
+            <a:endParaRPr lang="en-US" altLang="zh-CN" baseline="30000"/>
           </a:p>
         </p:txBody>
       </p:sp>
@@ -13939,6 +14005,11 @@
               </a:rPr>
               <a:t>What if we count both multiplications and additions?</a:t>
             </a:r>
+            <a:endParaRPr lang="en-US" altLang="zh-CN" sz="2000">
+              <a:solidFill>
+                <a:srgbClr val="FF9933"/>
+              </a:solidFill>
+            </a:endParaRPr>
           </a:p>
         </p:txBody>
       </p:sp>
@@ -14106,7 +14177,6 @@
             <a:off x="533400" y="152400"/>
             <a:ext cx="8610600" cy="685800"/>
           </a:xfrm>
-          <a:ln/>
         </p:spPr>
         <p:txBody>
           <a:bodyPr anchor="b"/>
@@ -14120,6 +14190,7 @@
               <a:rPr lang="en-US" altLang="zh-CN" sz="3200"/>
               <a:t> </a:t>
             </a:r>
+            <a:endParaRPr lang="en-US" altLang="zh-CN" sz="3200"/>
           </a:p>
         </p:txBody>
       </p:sp>
@@ -14138,7 +14209,6 @@
             <a:off x="0" y="914400"/>
             <a:ext cx="9144000" cy="5715000"/>
           </a:xfrm>
-          <a:ln/>
         </p:spPr>
         <p:txBody>
           <a:bodyPr/>
@@ -14151,6 +14221,7 @@
               <a:rPr lang="en-US" altLang="zh-CN"/>
               <a:t> </a:t>
             </a:r>
+            <a:endParaRPr lang="en-US" altLang="zh-CN"/>
           </a:p>
         </p:txBody>
       </p:sp>
@@ -14219,6 +14290,16 @@
               </a:rPr>
               <a:t> 4014</a:t>
             </a:r>
+            <a:endParaRPr lang="en-US" altLang="zh-CN" b="1">
+              <a:solidFill>
+                <a:schemeClr val="hlink"/>
+              </a:solidFill>
+              <a:effectLst>
+                <a:outerShdw blurRad="38100" dist="38100" dir="2700000">
+                  <a:srgbClr val="000000"/>
+                </a:outerShdw>
+              </a:effectLst>
+            </a:endParaRPr>
           </a:p>
         </p:txBody>
       </p:sp>
@@ -14256,6 +14337,7 @@
               <a:rPr lang="en-US" altLang="zh-CN"/>
               <a:t>= (21*10^2 + 35) * (40*10^2 + 14)</a:t>
             </a:r>
+            <a:endParaRPr lang="en-US" altLang="zh-CN"/>
           </a:p>
           <a:p>
             <a:pPr algn="l">
@@ -14291,6 +14373,7 @@
               <a:rPr lang="en-US" altLang="zh-CN"/>
               <a:t>14</a:t>
             </a:r>
+            <a:endParaRPr lang="en-US" altLang="zh-CN"/>
           </a:p>
           <a:p>
             <a:pPr algn="l">
@@ -14338,6 +14421,7 @@
               <a:rPr lang="en-US" altLang="zh-CN"/>
               <a:t>14, and</a:t>
             </a:r>
+            <a:endParaRPr lang="en-US" altLang="zh-CN"/>
           </a:p>
           <a:p>
             <a:pPr algn="l">
@@ -14349,6 +14433,7 @@
               <a:rPr lang="en-US" altLang="zh-CN"/>
               <a:t>21*40 = (2*10 + 1) * (4*10 + 0)</a:t>
             </a:r>
+            <a:endParaRPr lang="en-US" altLang="zh-CN"/>
           </a:p>
           <a:p>
             <a:pPr algn="l">
@@ -14384,6 +14469,7 @@
               <a:rPr lang="en-US" altLang="zh-CN"/>
               <a:t>0</a:t>
             </a:r>
+            <a:endParaRPr lang="en-US" altLang="zh-CN"/>
           </a:p>
           <a:p>
             <a:pPr algn="l">
@@ -14431,6 +14517,7 @@
               <a:rPr lang="en-US" altLang="zh-CN"/>
               <a:t>0, etc.</a:t>
             </a:r>
+            <a:endParaRPr lang="en-US" altLang="zh-CN"/>
           </a:p>
           <a:p>
             <a:pPr algn="l">
@@ -14633,9 +14720,7 @@
             <p:ph type="title"/>
           </p:nvPr>
         </p:nvSpPr>
-        <p:spPr>
-          <a:ln/>
-        </p:spPr>
+        <p:spPr/>
         <p:txBody>
           <a:bodyPr anchor="b"/>
           <a:lstStyle/>
@@ -14644,6 +14729,7 @@
               <a:rPr lang="en-US" altLang="zh-CN" sz="2800"/>
               <a:t>Conventional Matrix Multiplication</a:t>
             </a:r>
+            <a:endParaRPr lang="en-US" altLang="zh-CN" sz="2800"/>
           </a:p>
         </p:txBody>
       </p:sp>
@@ -14662,7 +14748,6 @@
             <a:off x="685800" y="2017713"/>
             <a:ext cx="8269288" cy="3316287"/>
           </a:xfrm>
-          <a:ln/>
         </p:spPr>
         <p:txBody>
           <a:bodyPr/>
@@ -14672,6 +14757,7 @@
               <a:rPr lang="en-US" altLang="zh-CN" sz="2100"/>
               <a:t>Brute-force algorithm</a:t>
             </a:r>
+            <a:endParaRPr lang="en-US" altLang="zh-CN" sz="2100"/>
           </a:p>
           <a:p>
             <a:pPr lvl="2">
@@ -14725,6 +14811,7 @@
               <a:rPr lang="en-US" altLang="zh-CN" sz="2100" baseline="-25000"/>
               <a:t>01</a:t>
             </a:r>
+            <a:endParaRPr lang="en-US" altLang="zh-CN" sz="2100" baseline="-25000"/>
           </a:p>
           <a:p>
             <a:pPr lvl="2">
@@ -14738,6 +14825,7 @@
               <a:rPr lang="en-US" altLang="zh-CN" sz="2100"/>
               <a:t>=                     *</a:t>
             </a:r>
+            <a:endParaRPr lang="en-US" altLang="zh-CN" sz="2100"/>
           </a:p>
           <a:p>
             <a:pPr lvl="2">
@@ -14791,6 +14879,7 @@
               <a:rPr lang="en-US" altLang="zh-CN" sz="2100" baseline="-25000"/>
               <a:t>11</a:t>
             </a:r>
+            <a:endParaRPr lang="en-US" altLang="zh-CN" sz="2100" baseline="-25000"/>
           </a:p>
           <a:p>
             <a:endParaRPr lang="en-US" altLang="zh-CN" sz="2100"/>
@@ -14881,6 +14970,7 @@
               <a:rPr lang="en-US" altLang="zh-CN" sz="2100"/>
               <a:t>=                   </a:t>
             </a:r>
+            <a:endParaRPr lang="en-US" altLang="zh-CN" sz="2100"/>
           </a:p>
           <a:p>
             <a:pPr lvl="2">
@@ -14954,6 +15044,7 @@
               <a:rPr lang="en-US" altLang="zh-CN" sz="2100"/>
               <a:t> </a:t>
             </a:r>
+            <a:endParaRPr lang="en-US" altLang="zh-CN" sz="2100"/>
           </a:p>
         </p:txBody>
       </p:sp>
@@ -15129,6 +15220,9 @@
               </a:rPr>
               <a:t>8 multiplications</a:t>
             </a:r>
+            <a:endParaRPr lang="en-CA" altLang="x-none" sz="2000">
+              <a:latin typeface="Tahoma" panose="020B0604030504040204" charset="0"/>
+            </a:endParaRPr>
           </a:p>
         </p:txBody>
       </p:sp>
@@ -15168,6 +15262,9 @@
               </a:rPr>
               <a:t>4 additions</a:t>
             </a:r>
+            <a:endParaRPr lang="en-CA" altLang="x-none" sz="2000">
+              <a:latin typeface="Tahoma" panose="020B0604030504040204" charset="0"/>
+            </a:endParaRPr>
           </a:p>
         </p:txBody>
       </p:sp>
@@ -15391,9 +15488,7 @@
             <p:ph type="title"/>
           </p:nvPr>
         </p:nvSpPr>
-        <p:spPr>
-          <a:ln/>
-        </p:spPr>
+        <p:spPr/>
         <p:txBody>
           <a:bodyPr anchor="b"/>
           <a:lstStyle/>
@@ -15406,6 +15501,7 @@
               <a:rPr lang="en-US" altLang="zh-CN" sz="2800"/>
               <a:t> Matrix Multiplication</a:t>
             </a:r>
+            <a:endParaRPr lang="en-US" altLang="zh-CN" sz="2800"/>
           </a:p>
         </p:txBody>
       </p:sp>
@@ -15424,7 +15520,6 @@
             <a:off x="381000" y="1371600"/>
             <a:ext cx="8269288" cy="4114800"/>
           </a:xfrm>
-          <a:ln/>
         </p:spPr>
         <p:txBody>
           <a:bodyPr/>
@@ -15443,6 +15538,7 @@
               <a:rPr lang="en-US" altLang="zh-CN" sz="2000"/>
               <a:t> algorithm for two 2x2 matrices (1969):</a:t>
             </a:r>
+            <a:endParaRPr lang="en-US" altLang="zh-CN" sz="2000"/>
           </a:p>
           <a:p>
             <a:pPr lvl="2">
@@ -15499,6 +15595,7 @@
               <a:rPr lang="en-US" altLang="zh-CN" sz="2000" baseline="-25000"/>
               <a:t>01</a:t>
             </a:r>
+            <a:endParaRPr lang="en-US" altLang="zh-CN" sz="2000" baseline="-25000"/>
           </a:p>
           <a:p>
             <a:pPr lvl="2">
@@ -15515,6 +15612,7 @@
               <a:rPr lang="en-US" altLang="zh-CN" sz="2000"/>
               <a:t>=                     *</a:t>
             </a:r>
+            <a:endParaRPr lang="en-US" altLang="zh-CN" sz="2000"/>
           </a:p>
           <a:p>
             <a:pPr lvl="2">
@@ -15571,6 +15669,7 @@
               <a:rPr lang="en-US" altLang="zh-CN" sz="2000" baseline="-25000"/>
               <a:t>11</a:t>
             </a:r>
+            <a:endParaRPr lang="en-US" altLang="zh-CN" sz="2000" baseline="-25000"/>
           </a:p>
           <a:p>
             <a:pPr lvl="2">
@@ -15583,6 +15682,7 @@
               <a:rPr lang="en-US" altLang="zh-CN" sz="2000"/>
               <a:t>	</a:t>
             </a:r>
+            <a:endParaRPr lang="en-US" altLang="zh-CN" sz="2000"/>
           </a:p>
           <a:p>
             <a:pPr lvl="2">
@@ -15660,6 +15760,7 @@
               <a:rPr lang="en-US" altLang="zh-CN" sz="2000"/>
               <a:t>=                   </a:t>
             </a:r>
+            <a:endParaRPr lang="en-US" altLang="zh-CN" sz="2000"/>
           </a:p>
           <a:p>
             <a:pPr lvl="2">
@@ -15784,6 +15885,7 @@
               <a:rPr lang="en-US" altLang="zh-CN" sz="2000"/>
               <a:t>)</a:t>
             </a:r>
+            <a:endParaRPr lang="en-US" altLang="zh-CN" sz="2000"/>
           </a:p>
           <a:p>
             <a:pPr>
@@ -15891,6 +15993,7 @@
               <a:rPr lang="en-US" altLang="zh-CN" sz="2000"/>
               <a:t>)</a:t>
             </a:r>
+            <a:endParaRPr lang="en-US" altLang="zh-CN" sz="2000"/>
           </a:p>
           <a:p>
             <a:pPr>
@@ -15946,6 +16049,7 @@
               <a:rPr lang="en-US" altLang="zh-CN" sz="2000"/>
               <a:t>)</a:t>
             </a:r>
+            <a:endParaRPr lang="en-US" altLang="zh-CN" sz="2000"/>
           </a:p>
           <a:p>
             <a:pPr>
@@ -16061,6 +16165,7 @@
               <a:rPr lang="en-US" altLang="zh-CN" sz="2000"/>
               <a:t>)</a:t>
             </a:r>
+            <a:endParaRPr lang="en-US" altLang="zh-CN" sz="2000"/>
           </a:p>
           <a:p>
             <a:pPr>
@@ -16124,6 +16229,7 @@
               <a:rPr lang="en-US" altLang="zh-CN" sz="2000"/>
               <a:t>)                        			</a:t>
             </a:r>
+            <a:endParaRPr lang="en-US" altLang="zh-CN" sz="2000"/>
           </a:p>
         </p:txBody>
       </p:sp>
@@ -16299,6 +16405,9 @@
               </a:rPr>
               <a:t>7 multiplications</a:t>
             </a:r>
+            <a:endParaRPr lang="en-CA" altLang="x-none" sz="2000">
+              <a:latin typeface="Tahoma" panose="020B0604030504040204" charset="0"/>
+            </a:endParaRPr>
           </a:p>
         </p:txBody>
       </p:sp>
@@ -16338,6 +16447,9 @@
               </a:rPr>
               <a:t>18 additions</a:t>
             </a:r>
+            <a:endParaRPr lang="en-CA" altLang="x-none" sz="2000">
+              <a:latin typeface="Tahoma" panose="020B0604030504040204" charset="0"/>
+            </a:endParaRPr>
           </a:p>
         </p:txBody>
       </p:sp>
@@ -16376,9 +16488,7 @@
             <p:ph type="title"/>
           </p:nvPr>
         </p:nvSpPr>
-        <p:spPr>
-          <a:ln/>
-        </p:spPr>
+        <p:spPr/>
         <p:txBody>
           <a:bodyPr anchor="b"/>
           <a:lstStyle/>
@@ -16387,6 +16497,7 @@
               <a:rPr lang="en-US" altLang="zh-CN"/>
               <a:t>Strassen’s Matrix Multiplication</a:t>
             </a:r>
+            <a:endParaRPr lang="en-US" altLang="zh-CN"/>
           </a:p>
         </p:txBody>
       </p:sp>
@@ -16405,7 +16516,6 @@
             <a:off x="304800" y="1266825"/>
             <a:ext cx="8610600" cy="4905375"/>
           </a:xfrm>
-          <a:ln/>
         </p:spPr>
         <p:txBody>
           <a:bodyPr/>
@@ -16418,6 +16528,7 @@
               <a:rPr lang="en-US" altLang="zh-CN"/>
               <a:t>    Strassen observed [1969] that  the product of two matrices can be computed in general as follows:</a:t>
             </a:r>
+            <a:endParaRPr lang="en-US" altLang="zh-CN"/>
           </a:p>
           <a:p>
             <a:endParaRPr lang="en-US" altLang="zh-CN"/>
@@ -16474,6 +16585,7 @@
               <a:rPr lang="en-US" altLang="zh-CN" baseline="-25000"/>
               <a:t>01</a:t>
             </a:r>
+            <a:endParaRPr lang="en-US" altLang="zh-CN" baseline="-25000"/>
           </a:p>
           <a:p>
             <a:pPr lvl="2">
@@ -16487,6 +16599,7 @@
               <a:rPr lang="en-US" altLang="zh-CN"/>
               <a:t>=                             *</a:t>
             </a:r>
+            <a:endParaRPr lang="en-US" altLang="zh-CN"/>
           </a:p>
           <a:p>
             <a:pPr lvl="2">
@@ -16540,6 +16653,7 @@
               <a:rPr lang="en-US" altLang="zh-CN" baseline="-25000"/>
               <a:t>11</a:t>
             </a:r>
+            <a:endParaRPr lang="en-US" altLang="zh-CN" baseline="-25000"/>
           </a:p>
           <a:p>
             <a:pPr lvl="2">
@@ -16623,6 +16737,7 @@
               <a:rPr lang="en-US" altLang="zh-CN"/>
               <a:t>=                   </a:t>
             </a:r>
+            <a:endParaRPr lang="en-US" altLang="zh-CN"/>
           </a:p>
           <a:p>
             <a:pPr lvl="2">
@@ -17022,7 +17137,6 @@
             <a:off x="457200" y="152400"/>
             <a:ext cx="8686800" cy="685800"/>
           </a:xfrm>
-          <a:ln/>
         </p:spPr>
         <p:txBody>
           <a:bodyPr anchor="b"/>
@@ -17032,6 +17146,7 @@
               <a:rPr lang="en-US" altLang="zh-CN"/>
               <a:t>Formulas for Strassen’s Algorithm</a:t>
             </a:r>
+            <a:endParaRPr lang="en-US" altLang="zh-CN"/>
           </a:p>
         </p:txBody>
       </p:sp>
@@ -17050,7 +17165,6 @@
             <a:off x="609600" y="1066800"/>
             <a:ext cx="8305800" cy="5791200"/>
           </a:xfrm>
-          <a:ln/>
         </p:spPr>
         <p:txBody>
           <a:bodyPr/>
@@ -17120,6 +17234,7 @@
               <a:rPr lang="en-US" altLang="zh-CN" b="0"/>
               <a:t>)</a:t>
             </a:r>
+            <a:endParaRPr lang="en-US" altLang="zh-CN" b="0"/>
           </a:p>
           <a:p>
             <a:pPr>
@@ -17179,6 +17294,7 @@
               <a:rPr lang="en-US" altLang="zh-CN" baseline="-25000"/>
               <a:t>00</a:t>
             </a:r>
+            <a:endParaRPr lang="en-US" altLang="zh-CN" baseline="-25000"/>
           </a:p>
           <a:p>
             <a:pPr>
@@ -17246,6 +17362,7 @@
               <a:rPr lang="en-US" altLang="zh-CN" b="0"/>
               <a:t>)</a:t>
             </a:r>
+            <a:endParaRPr lang="en-US" altLang="zh-CN" b="0"/>
           </a:p>
           <a:p>
             <a:pPr>
@@ -17313,6 +17430,7 @@
               <a:rPr lang="en-US" altLang="zh-CN" b="0"/>
               <a:t>)</a:t>
             </a:r>
+            <a:endParaRPr lang="en-US" altLang="zh-CN" b="0"/>
           </a:p>
           <a:p>
             <a:pPr>
@@ -17452,6 +17570,7 @@
               <a:rPr lang="en-US" altLang="zh-CN" b="0"/>
               <a:t>)</a:t>
             </a:r>
+            <a:endParaRPr lang="en-US" altLang="zh-CN" b="0"/>
           </a:p>
           <a:p>
             <a:pPr>
@@ -17527,6 +17646,7 @@
               <a:rPr lang="en-US" altLang="zh-CN" b="0"/>
               <a:t>)</a:t>
             </a:r>
+            <a:endParaRPr lang="en-US" altLang="zh-CN" b="0"/>
           </a:p>
         </p:txBody>
       </p:sp>
@@ -17565,9 +17685,7 @@
             <p:ph type="title"/>
           </p:nvPr>
         </p:nvSpPr>
-        <p:spPr>
-          <a:ln/>
-        </p:spPr>
+        <p:spPr/>
         <p:txBody>
           <a:bodyPr anchor="b"/>
           <a:lstStyle/>
@@ -17576,6 +17694,7 @@
               <a:rPr lang="en-US" altLang="zh-CN"/>
               <a:t>Analysis of Strassen’s Algorithm</a:t>
             </a:r>
+            <a:endParaRPr lang="en-US" altLang="zh-CN"/>
           </a:p>
         </p:txBody>
       </p:sp>
@@ -17594,7 +17713,6 @@
             <a:off x="533400" y="1419225"/>
             <a:ext cx="8610600" cy="5286375"/>
           </a:xfrm>
-          <a:ln/>
         </p:spPr>
         <p:txBody>
           <a:bodyPr/>
@@ -17615,6 +17733,7 @@
               <a:rPr lang="en-US" altLang="zh-CN"/>
               <a:t> is not a power of 2, matrices can be padded with zeros.</a:t>
             </a:r>
+            <a:endParaRPr lang="en-US" altLang="zh-CN"/>
           </a:p>
           <a:p>
             <a:pPr marL="457200" indent="-457200">
@@ -17636,6 +17755,7 @@
               <a:rPr lang="en-US" altLang="zh-CN"/>
               <a:t>Number of multiplications:</a:t>
             </a:r>
+            <a:endParaRPr lang="en-US" altLang="zh-CN"/>
           </a:p>
           <a:p>
             <a:pPr marL="457200" indent="-457200">
@@ -17661,6 +17781,7 @@
               <a:rPr lang="en-US" altLang="zh-CN"/>
               <a:t>/2),   M(1) = 1</a:t>
             </a:r>
+            <a:endParaRPr lang="en-US" altLang="zh-CN"/>
           </a:p>
           <a:p>
             <a:pPr marL="457200" indent="-457200">
@@ -17787,6 +17908,7 @@
               <a:rPr lang="en-US" altLang="zh-CN"/>
               <a:t>Algorithms with better asymptotic efficiency are known but they</a:t>
             </a:r>
+            <a:endParaRPr lang="en-US" altLang="zh-CN"/>
           </a:p>
           <a:p>
             <a:pPr marL="457200" indent="-457200">
@@ -17799,6 +17921,7 @@
               <a:rPr lang="en-US" altLang="zh-CN"/>
               <a:t>are even more complex and not used in practice.</a:t>
             </a:r>
+            <a:endParaRPr lang="en-US" altLang="zh-CN"/>
           </a:p>
           <a:p>
             <a:pPr marL="457200" indent="-457200"/>
@@ -17844,6 +17967,11 @@
               </a:rPr>
               <a:t>What if we count both multiplications and additions?</a:t>
             </a:r>
+            <a:endParaRPr lang="en-US" altLang="zh-CN" sz="2000">
+              <a:solidFill>
+                <a:srgbClr val="FF9933"/>
+              </a:solidFill>
+            </a:endParaRPr>
           </a:p>
         </p:txBody>
       </p:sp>
@@ -18011,7 +18139,6 @@
             <a:off x="609600" y="152400"/>
             <a:ext cx="8229600" cy="685800"/>
           </a:xfrm>
-          <a:ln/>
         </p:spPr>
         <p:txBody>
           <a:bodyPr anchor="b"/>
@@ -18021,6 +18148,7 @@
               <a:rPr lang="en-US" altLang="zh-CN" sz="3200"/>
               <a:t>Closest-Pair Problem by Divide-and-Conquer</a:t>
             </a:r>
+            <a:endParaRPr lang="en-US" altLang="zh-CN" sz="3200"/>
           </a:p>
         </p:txBody>
       </p:sp>
@@ -18039,7 +18167,6 @@
             <a:off x="457200" y="1066800"/>
             <a:ext cx="8686800" cy="5715000"/>
           </a:xfrm>
-          <a:ln/>
         </p:spPr>
         <p:txBody>
           <a:bodyPr/>
@@ -18052,6 +18179,7 @@
               <a:rPr lang="en-US" altLang="zh-CN"/>
               <a:t>Step 0  Sort the points by x (list one) and then by y (list two).</a:t>
             </a:r>
+            <a:endParaRPr lang="en-US" altLang="zh-CN"/>
           </a:p>
           <a:p>
             <a:pPr marL="609600" indent="-609600">
@@ -18099,6 +18227,7 @@
               <a:rPr lang="en-US" altLang="zh-CN"/>
               <a:t> so that half the points lie to the left or on 	the line and half the points lie to the right or on the line.</a:t>
             </a:r>
+            <a:endParaRPr lang="en-US" altLang="zh-CN"/>
           </a:p>
           <a:p>
             <a:pPr marL="609600" indent="-609600"/>
@@ -18115,7 +18244,7 @@
           <p:nvPr/>
         </p:nvPicPr>
         <p:blipFill>
-          <a:blip r:embed="rId3"/>
+          <a:blip r:embed="rId1"/>
           <a:stretch>
             <a:fillRect/>
           </a:stretch>
@@ -18174,7 +18303,6 @@
             <a:off x="457200" y="152400"/>
             <a:ext cx="8458200" cy="685800"/>
           </a:xfrm>
-          <a:ln/>
         </p:spPr>
         <p:txBody>
           <a:bodyPr anchor="b"/>
@@ -18184,6 +18312,7 @@
               <a:rPr lang="en-US" altLang="zh-CN" sz="3200"/>
               <a:t>Closest Pair by Divide-and-Conquer (cont.)</a:t>
             </a:r>
+            <a:endParaRPr lang="en-US" altLang="zh-CN" sz="3200"/>
           </a:p>
         </p:txBody>
       </p:sp>
@@ -18202,7 +18331,6 @@
             <a:off x="457200" y="1295400"/>
             <a:ext cx="8686800" cy="5334000"/>
           </a:xfrm>
-          <a:ln/>
         </p:spPr>
         <p:txBody>
           <a:bodyPr/>
@@ -18225,6 +18353,7 @@
               <a:rPr lang="en-US" altLang="zh-CN"/>
               <a:t>     subsets.</a:t>
             </a:r>
+            <a:endParaRPr lang="en-US" altLang="zh-CN"/>
           </a:p>
           <a:p>
             <a:pPr marL="609600" indent="-609600">
@@ -18278,6 +18407,7 @@
               <a:rPr lang="en-US" altLang="zh-CN"/>
               <a:t>}</a:t>
             </a:r>
+            <a:endParaRPr lang="en-US" altLang="zh-CN"/>
           </a:p>
           <a:p>
             <a:pPr marL="609600" indent="-609600">
@@ -18389,6 +18519,7 @@
               <a:rPr lang="en-US" altLang="zh-CN"/>
               <a:t> coordinates, taken from the second list.</a:t>
             </a:r>
+            <a:endParaRPr lang="en-US" altLang="zh-CN"/>
           </a:p>
           <a:p>
             <a:pPr marL="609600" indent="-609600">
@@ -18527,6 +18658,7 @@
               <a:rPr lang="en-US" altLang="zh-CN" sz="2000"/>
               <a:t> </a:t>
             </a:r>
+            <a:endParaRPr lang="en-US" altLang="zh-CN" sz="2000"/>
           </a:p>
         </p:txBody>
       </p:sp>
@@ -18570,7 +18702,6 @@
             <a:off x="609600" y="152400"/>
             <a:ext cx="8229600" cy="685800"/>
           </a:xfrm>
-          <a:ln/>
         </p:spPr>
         <p:txBody>
           <a:bodyPr anchor="b"/>
@@ -18580,6 +18711,7 @@
               <a:rPr lang="en-US" altLang="zh-CN"/>
               <a:t>Divide-and-Conquer Technique (cont.)</a:t>
             </a:r>
+            <a:endParaRPr lang="en-US" altLang="zh-CN"/>
           </a:p>
         </p:txBody>
       </p:sp>
@@ -18621,6 +18753,11 @@
               </a:rPr>
               <a:t>subproblem 2 </a:t>
             </a:r>
+            <a:endParaRPr lang="en-US" altLang="zh-CN" sz="1800" b="1">
+              <a:solidFill>
+                <a:schemeClr val="bg2"/>
+              </a:solidFill>
+            </a:endParaRPr>
           </a:p>
           <a:p>
             <a:r>
@@ -18647,6 +18784,11 @@
               </a:rPr>
               <a:t>/2</a:t>
             </a:r>
+            <a:endParaRPr lang="en-US" altLang="zh-CN" sz="1800" b="1">
+              <a:solidFill>
+                <a:schemeClr val="bg2"/>
+              </a:solidFill>
+            </a:endParaRPr>
           </a:p>
         </p:txBody>
       </p:sp>
@@ -18688,6 +18830,11 @@
               </a:rPr>
               <a:t>subproblem 1 </a:t>
             </a:r>
+            <a:endParaRPr lang="en-US" altLang="zh-CN" sz="1800" b="1">
+              <a:solidFill>
+                <a:schemeClr val="bg2"/>
+              </a:solidFill>
+            </a:endParaRPr>
           </a:p>
           <a:p>
             <a:r>
@@ -18714,6 +18861,11 @@
               </a:rPr>
               <a:t>/2</a:t>
             </a:r>
+            <a:endParaRPr lang="en-US" altLang="zh-CN" sz="1800" b="1">
+              <a:solidFill>
+                <a:schemeClr val="bg2"/>
+              </a:solidFill>
+            </a:endParaRPr>
           </a:p>
         </p:txBody>
       </p:sp>
@@ -18756,6 +18908,11 @@
               </a:rPr>
               <a:t>a solution to </a:t>
             </a:r>
+            <a:endParaRPr lang="en-US" altLang="zh-CN" sz="1600" b="1">
+              <a:solidFill>
+                <a:schemeClr val="bg2"/>
+              </a:solidFill>
+            </a:endParaRPr>
           </a:p>
           <a:p>
             <a:r>
@@ -18809,6 +18966,11 @@
               </a:rPr>
               <a:t>a solution to</a:t>
             </a:r>
+            <a:endParaRPr lang="en-US" altLang="zh-CN" sz="1600" b="1">
+              <a:solidFill>
+                <a:schemeClr val="bg2"/>
+              </a:solidFill>
+            </a:endParaRPr>
           </a:p>
           <a:p>
             <a:r>
@@ -18862,6 +19024,11 @@
               </a:rPr>
               <a:t>a solution to </a:t>
             </a:r>
+            <a:endParaRPr lang="en-US" altLang="zh-CN" sz="1600" b="1">
+              <a:solidFill>
+                <a:schemeClr val="bg2"/>
+              </a:solidFill>
+            </a:endParaRPr>
           </a:p>
           <a:p>
             <a:r>
@@ -19160,6 +19327,11 @@
               </a:rPr>
               <a:t>(instance)</a:t>
             </a:r>
+            <a:endParaRPr lang="en-US" altLang="zh-CN" sz="1800" b="1">
+              <a:solidFill>
+                <a:srgbClr val="FF9933"/>
+              </a:solidFill>
+            </a:endParaRPr>
           </a:p>
         </p:txBody>
       </p:sp>
@@ -19201,6 +19373,11 @@
               </a:rPr>
               <a:t>It general leads to a recursive algorithm!</a:t>
             </a:r>
+            <a:endParaRPr lang="en-US" altLang="zh-CN">
+              <a:solidFill>
+                <a:srgbClr val="FF6600"/>
+              </a:solidFill>
+            </a:endParaRPr>
           </a:p>
         </p:txBody>
       </p:sp>
@@ -19368,7 +19545,6 @@
             <a:off x="381000" y="152400"/>
             <a:ext cx="8763000" cy="685800"/>
           </a:xfrm>
-          <a:ln/>
         </p:spPr>
         <p:txBody>
           <a:bodyPr anchor="b"/>
@@ -19382,6 +19558,7 @@
               <a:rPr lang="en-US" altLang="zh-CN" sz="3200"/>
               <a:t> </a:t>
             </a:r>
+            <a:endParaRPr lang="en-US" altLang="zh-CN" sz="3200"/>
           </a:p>
         </p:txBody>
       </p:sp>
@@ -19400,7 +19577,6 @@
             <a:off x="609600" y="1266825"/>
             <a:ext cx="7696200" cy="4905375"/>
           </a:xfrm>
-          <a:ln/>
         </p:spPr>
         <p:txBody>
           <a:bodyPr/>
@@ -19413,6 +19589,7 @@
               <a:rPr lang="en-US" altLang="zh-CN"/>
               <a:t>The worst case scenario is depicted below:</a:t>
             </a:r>
+            <a:endParaRPr lang="en-US" altLang="zh-CN"/>
           </a:p>
         </p:txBody>
       </p:sp>
@@ -19425,7 +19602,7 @@
           <p:nvPr/>
         </p:nvPicPr>
         <p:blipFill>
-          <a:blip r:embed="rId3"/>
+          <a:blip r:embed="rId1"/>
           <a:stretch>
             <a:fillRect/>
           </a:stretch>
@@ -19484,7 +19661,6 @@
             <a:off x="609600" y="152400"/>
             <a:ext cx="8534400" cy="685800"/>
           </a:xfrm>
-          <a:ln/>
         </p:spPr>
         <p:txBody>
           <a:bodyPr anchor="b"/>
@@ -19494,6 +19670,7 @@
               <a:rPr lang="en-US" altLang="zh-CN" sz="3200"/>
               <a:t>Efficiency of the Closest-Pair Algorithm</a:t>
             </a:r>
+            <a:endParaRPr lang="en-US" altLang="zh-CN" sz="3200"/>
           </a:p>
         </p:txBody>
       </p:sp>
@@ -19507,9 +19684,7 @@
             <p:ph type="body" idx="1"/>
           </p:nvPr>
         </p:nvSpPr>
-        <p:spPr>
-          <a:ln/>
-        </p:spPr>
+        <p:spPr/>
         <p:txBody>
           <a:bodyPr/>
           <a:lstStyle/>
@@ -19527,6 +19702,7 @@
               <a:rPr lang="en-US" altLang="zh-CN"/>
               <a:t>Running time of the algorithm (without sorting) is:</a:t>
             </a:r>
+            <a:endParaRPr lang="en-US" altLang="zh-CN"/>
           </a:p>
           <a:p>
             <a:pPr>
@@ -19633,6 +19809,7 @@
               <a:rPr lang="en-US" altLang="zh-CN"/>
               <a:t> = 1)</a:t>
             </a:r>
+            <a:endParaRPr lang="en-US" altLang="zh-CN"/>
           </a:p>
           <a:p>
             <a:pPr>
@@ -19680,6 +19857,7 @@
               <a:rPr lang="en-US" altLang="zh-CN"/>
               <a:t>)</a:t>
             </a:r>
+            <a:endParaRPr lang="en-US" altLang="zh-CN"/>
           </a:p>
           <a:p>
             <a:pPr>
@@ -19715,6 +19893,7 @@
               <a:rPr lang="en-US" altLang="zh-CN"/>
               <a:t>).</a:t>
             </a:r>
+            <a:endParaRPr lang="en-US" altLang="zh-CN"/>
           </a:p>
         </p:txBody>
       </p:sp>
@@ -19753,9 +19932,7 @@
             <p:ph type="title"/>
           </p:nvPr>
         </p:nvSpPr>
-        <p:spPr>
-          <a:ln/>
-        </p:spPr>
+        <p:spPr/>
         <p:txBody>
           <a:bodyPr anchor="b"/>
           <a:lstStyle/>
@@ -19764,6 +19941,7 @@
               <a:rPr lang="en-US" altLang="zh-CN"/>
               <a:t>Quickhull Algorithm </a:t>
             </a:r>
+            <a:endParaRPr lang="en-US" altLang="zh-CN"/>
           </a:p>
         </p:txBody>
       </p:sp>
@@ -19782,7 +19960,6 @@
             <a:off x="609600" y="1143000"/>
             <a:ext cx="8305800" cy="4981575"/>
           </a:xfrm>
-          <a:ln/>
         </p:spPr>
         <p:txBody>
           <a:bodyPr/>
@@ -19803,6 +19980,7 @@
               <a:rPr lang="en-US" altLang="zh-CN"/>
               <a:t>, Ch 3.</a:t>
             </a:r>
+            <a:endParaRPr lang="en-US" altLang="zh-CN"/>
           </a:p>
           <a:p>
             <a:r>
@@ -19817,6 +19995,7 @@
               <a:rPr lang="en-US" altLang="zh-CN" sz="2000"/>
               <a:t>-coordinate values</a:t>
             </a:r>
+            <a:endParaRPr lang="en-US" altLang="zh-CN" sz="2000"/>
           </a:p>
           <a:p>
             <a:r>
@@ -19855,6 +20034,7 @@
               <a:rPr lang="en-US" altLang="zh-CN" sz="2000"/>
               <a:t>  (leftmost and rightmost)</a:t>
             </a:r>
+            <a:endParaRPr lang="en-US" altLang="zh-CN" sz="2000"/>
           </a:p>
           <a:p>
             <a:r>
@@ -19869,6 +20049,7 @@
               <a:rPr lang="en-US" altLang="zh-CN" sz="2000"/>
               <a:t> recursively:</a:t>
             </a:r>
+            <a:endParaRPr lang="en-US" altLang="zh-CN" sz="2000"/>
           </a:p>
           <a:p>
             <a:pPr lvl="1"/>
@@ -19928,6 +20109,7 @@
               <a:rPr lang="en-US" altLang="zh-CN" baseline="-25000"/>
               <a:t>max</a:t>
             </a:r>
+            <a:endParaRPr lang="en-US" altLang="zh-CN" baseline="-25000"/>
           </a:p>
           <a:p>
             <a:pPr lvl="1"/>
@@ -19966,6 +20148,7 @@
               <a:rPr lang="en-US" altLang="zh-CN" sz="2000"/>
               <a:t> in a similar manner</a:t>
             </a:r>
+            <a:endParaRPr lang="en-US" altLang="zh-CN" sz="2000"/>
           </a:p>
         </p:txBody>
       </p:sp>
@@ -20807,9 +20990,7 @@
             <p:ph type="title"/>
           </p:nvPr>
         </p:nvSpPr>
-        <p:spPr>
-          <a:ln/>
-        </p:spPr>
+        <p:spPr/>
         <p:txBody>
           <a:bodyPr anchor="b"/>
           <a:lstStyle/>
@@ -20818,6 +20999,7 @@
               <a:rPr lang="en-US" altLang="zh-CN"/>
               <a:t>Efficiency of Quickhull Algorithm</a:t>
             </a:r>
+            <a:endParaRPr lang="en-US" altLang="zh-CN"/>
           </a:p>
         </p:txBody>
       </p:sp>
@@ -20836,7 +21018,6 @@
             <a:off x="609600" y="1143000"/>
             <a:ext cx="8534400" cy="5715000"/>
           </a:xfrm>
-          <a:ln/>
         </p:spPr>
         <p:txBody>
           <a:bodyPr/>
@@ -20866,6 +21047,7 @@
               <a:rPr lang="en-US" altLang="zh-CN"/>
               <a:t>can be done in linear time</a:t>
             </a:r>
+            <a:endParaRPr lang="en-US" altLang="zh-CN"/>
           </a:p>
           <a:p>
             <a:r>
@@ -20952,6 +21134,12 @@
               </a:rPr>
               <a:t>)</a:t>
             </a:r>
+            <a:endParaRPr lang="en-US" altLang="zh-CN" sz="2400">
+              <a:solidFill>
+                <a:schemeClr val="tx1"/>
+              </a:solidFill>
+              <a:cs typeface="Times New Roman" panose="02020603050405020304" pitchFamily="18" charset="0"/>
+            </a:endParaRPr>
           </a:p>
           <a:p>
             <a:pPr lvl="1"/>
@@ -20995,6 +21183,9 @@
               </a:rPr>
               <a:t>                                  distribution of points given)</a:t>
             </a:r>
+            <a:endParaRPr lang="en-US" altLang="zh-CN" sz="2400">
+              <a:cs typeface="Times New Roman" panose="02020603050405020304" pitchFamily="18" charset="0"/>
+            </a:endParaRPr>
           </a:p>
           <a:p>
             <a:pPr lvl="1"/>
@@ -21087,6 +21278,7 @@
               <a:rPr lang="en-US" altLang="zh-CN"/>
               <a:t>algorithms for convex hull are known</a:t>
             </a:r>
+            <a:endParaRPr lang="en-US" altLang="zh-CN"/>
           </a:p>
           <a:p>
             <a:pPr>
@@ -21131,9 +21323,7 @@
             <p:ph type="title"/>
           </p:nvPr>
         </p:nvSpPr>
-        <p:spPr>
-          <a:ln/>
-        </p:spPr>
+        <p:spPr/>
         <p:txBody>
           <a:bodyPr anchor="b"/>
           <a:lstStyle/>
@@ -21142,6 +21332,7 @@
               <a:rPr lang="en-US" altLang="zh-CN"/>
               <a:t>Divide-and-Conquer Examples</a:t>
             </a:r>
+            <a:endParaRPr lang="en-US" altLang="zh-CN"/>
           </a:p>
         </p:txBody>
       </p:sp>
@@ -21160,7 +21351,6 @@
             <a:off x="381000" y="1219200"/>
             <a:ext cx="8763000" cy="4905375"/>
           </a:xfrm>
-          <a:ln/>
         </p:spPr>
         <p:txBody>
           <a:bodyPr/>
@@ -21177,8 +21367,17 @@
             </a:r>
             <a:r>
               <a:rPr lang="en-US" altLang="zh-CN" dirty="0"/>
-              <a:t> and quicksort</a:t>
-            </a:r>
+              <a:t> and quicksort   </a:t>
+            </a:r>
+            <a:r>
+              <a:rPr lang="zh-CN" altLang="en-US" dirty="0">
+                <a:ea typeface="宋体" panose="02010600030101010101" pitchFamily="2" charset="-122"/>
+              </a:rPr>
+              <a:t>归并排序，快速排序</a:t>
+            </a:r>
+            <a:endParaRPr lang="zh-CN" altLang="en-US" dirty="0">
+              <a:ea typeface="宋体" panose="02010600030101010101" pitchFamily="2" charset="-122"/>
+            </a:endParaRPr>
           </a:p>
           <a:p>
             <a:pPr marL="457200" indent="-457200"/>
@@ -21188,8 +21387,17 @@
             <a:pPr marL="457200" indent="-457200"/>
             <a:r>
               <a:rPr lang="en-US" altLang="zh-CN" dirty="0"/>
-              <a:t>Binary tree traversals</a:t>
-            </a:r>
+              <a:t>Binary tree traversals   </a:t>
+            </a:r>
+            <a:r>
+              <a:rPr lang="zh-CN" altLang="en-US" dirty="0">
+                <a:ea typeface="宋体" panose="02010600030101010101" pitchFamily="2" charset="-122"/>
+              </a:rPr>
+              <a:t>二叉树遍历</a:t>
+            </a:r>
+            <a:endParaRPr lang="zh-CN" altLang="en-US" dirty="0">
+              <a:ea typeface="宋体" panose="02010600030101010101" pitchFamily="2" charset="-122"/>
+            </a:endParaRPr>
           </a:p>
           <a:p>
             <a:pPr marL="457200" indent="-457200"/>
@@ -21199,8 +21407,17 @@
             <a:pPr marL="457200" indent="-457200"/>
             <a:r>
               <a:rPr lang="en-US" altLang="zh-CN" dirty="0"/>
-              <a:t>Binary search (?)</a:t>
-            </a:r>
+              <a:t>Binary search (?)     </a:t>
+            </a:r>
+            <a:r>
+              <a:rPr lang="zh-CN" altLang="en-US" dirty="0">
+                <a:ea typeface="宋体" panose="02010600030101010101" pitchFamily="2" charset="-122"/>
+              </a:rPr>
+              <a:t>二分查找</a:t>
+            </a:r>
+            <a:endParaRPr lang="zh-CN" altLang="en-US" dirty="0">
+              <a:ea typeface="宋体" panose="02010600030101010101" pitchFamily="2" charset="-122"/>
+            </a:endParaRPr>
           </a:p>
           <a:p>
             <a:pPr marL="457200" indent="-457200"/>
@@ -21210,8 +21427,17 @@
             <a:pPr marL="457200" indent="-457200"/>
             <a:r>
               <a:rPr lang="en-US" altLang="zh-CN" dirty="0"/>
-              <a:t>Multiplication of large integers</a:t>
-            </a:r>
+              <a:t>Multiplication of large integers  </a:t>
+            </a:r>
+            <a:r>
+              <a:rPr lang="zh-CN" altLang="en-US" dirty="0">
+                <a:ea typeface="宋体" panose="02010600030101010101" pitchFamily="2" charset="-122"/>
+              </a:rPr>
+              <a:t>大整数相乘</a:t>
+            </a:r>
+            <a:endParaRPr lang="zh-CN" altLang="en-US" dirty="0">
+              <a:ea typeface="宋体" panose="02010600030101010101" pitchFamily="2" charset="-122"/>
+            </a:endParaRPr>
           </a:p>
           <a:p>
             <a:pPr marL="457200" indent="-457200"/>
@@ -21221,8 +21447,17 @@
             <a:pPr marL="457200" indent="-457200"/>
             <a:r>
               <a:rPr lang="en-US" altLang="zh-CN" dirty="0"/>
-              <a:t>Matrix multiplication: Strassen’s algorithm</a:t>
-            </a:r>
+              <a:t>Matrix multiplication: Strassen’s algorithm </a:t>
+            </a:r>
+            <a:r>
+              <a:rPr lang="zh-CN" altLang="en-US" dirty="0">
+                <a:ea typeface="宋体" panose="02010600030101010101" pitchFamily="2" charset="-122"/>
+              </a:rPr>
+              <a:t>矩阵相乘</a:t>
+            </a:r>
+            <a:endParaRPr lang="zh-CN" altLang="en-US" dirty="0">
+              <a:ea typeface="宋体" panose="02010600030101010101" pitchFamily="2" charset="-122"/>
+            </a:endParaRPr>
           </a:p>
           <a:p>
             <a:pPr marL="457200" indent="-457200"/>
@@ -21321,6 +21556,7 @@
               <a:rPr lang="en-US" altLang="zh-CN" sz="3200"/>
               <a:t>General Divide-and-Conquer Recurrence</a:t>
             </a:r>
+            <a:endParaRPr lang="en-US" altLang="zh-CN" sz="3200"/>
           </a:p>
         </p:txBody>
       </p:sp>
@@ -21808,6 +22044,7 @@
               <a:rPr lang="en-US" altLang="zh-CN" i="1"/>
               <a:t> </a:t>
             </a:r>
+            <a:endParaRPr lang="en-US" altLang="zh-CN" i="1"/>
           </a:p>
           <a:p>
             <a:pPr marL="457200" lvl="0" indent="-457200">
@@ -21896,6 +22133,7 @@
               <a:rPr lang="en-US" altLang="zh-CN" i="1"/>
               <a:t> </a:t>
             </a:r>
+            <a:endParaRPr lang="en-US" altLang="zh-CN" i="1"/>
           </a:p>
           <a:p>
             <a:pPr marL="457200" lvl="0" indent="-457200"/>
@@ -21922,6 +22160,9 @@
               </a:rPr>
               <a:t>.</a:t>
             </a:r>
+            <a:endParaRPr lang="en-US" altLang="zh-CN">
+              <a:cs typeface="Times New Roman" panose="02020603050405020304" pitchFamily="18" charset="0"/>
+            </a:endParaRPr>
           </a:p>
           <a:p>
             <a:pPr marL="457200" lvl="0" indent="-457200">
@@ -22025,6 +22266,9 @@
               </a:rPr>
               <a:t>)  ?</a:t>
             </a:r>
+            <a:endParaRPr lang="en-US" altLang="zh-CN">
+              <a:sym typeface="Symbol" panose="05050102010706020507" pitchFamily="84" charset="2"/>
+            </a:endParaRPr>
           </a:p>
           <a:p>
             <a:pPr marL="457200" lvl="0" indent="-457200">
@@ -22126,6 +22370,9 @@
               </a:rPr>
               <a:t>)  ?</a:t>
             </a:r>
+            <a:endParaRPr lang="en-US" altLang="zh-CN">
+              <a:sym typeface="Symbol" panose="05050102010706020507" pitchFamily="84" charset="2"/>
+            </a:endParaRPr>
           </a:p>
           <a:p>
             <a:pPr marL="457200" lvl="0" indent="-457200">
@@ -22301,6 +22548,13 @@
               </a:rPr>
               <a:t>)</a:t>
             </a:r>
+            <a:endParaRPr lang="en-US" altLang="zh-CN" b="1">
+              <a:effectLst>
+                <a:outerShdw blurRad="38100" dist="38100" dir="2700000">
+                  <a:srgbClr val="000000"/>
+                </a:outerShdw>
+              </a:effectLst>
+            </a:endParaRPr>
           </a:p>
         </p:txBody>
       </p:sp>
@@ -22370,6 +22624,13 @@
               </a:rPr>
               <a:t>)</a:t>
             </a:r>
+            <a:endParaRPr lang="en-US" altLang="zh-CN" b="1">
+              <a:effectLst>
+                <a:outerShdw blurRad="38100" dist="38100" dir="2700000">
+                  <a:srgbClr val="000000"/>
+                </a:outerShdw>
+              </a:effectLst>
+            </a:endParaRPr>
           </a:p>
         </p:txBody>
       </p:sp>
@@ -22439,6 +22700,13 @@
               </a:rPr>
               <a:t>)</a:t>
             </a:r>
+            <a:endParaRPr lang="en-US" altLang="zh-CN" b="1">
+              <a:effectLst>
+                <a:outerShdw blurRad="38100" dist="38100" dir="2700000">
+                  <a:srgbClr val="000000"/>
+                </a:outerShdw>
+              </a:effectLst>
+            </a:endParaRPr>
           </a:p>
         </p:txBody>
       </p:sp>
@@ -22785,9 +23053,7 @@
             <p:ph type="title"/>
           </p:nvPr>
         </p:nvSpPr>
-        <p:spPr>
-          <a:ln/>
-        </p:spPr>
+        <p:spPr/>
         <p:txBody>
           <a:bodyPr anchor="b"/>
           <a:lstStyle/>
@@ -22796,6 +23062,7 @@
               <a:rPr lang="en-US" altLang="zh-CN"/>
               <a:t>Mergesort</a:t>
             </a:r>
+            <a:endParaRPr lang="en-US" altLang="zh-CN"/>
           </a:p>
         </p:txBody>
       </p:sp>
@@ -22814,7 +23081,6 @@
             <a:off x="609600" y="1219200"/>
             <a:ext cx="8305800" cy="5334000"/>
           </a:xfrm>
-          <a:ln/>
         </p:spPr>
         <p:txBody>
           <a:bodyPr/>
@@ -22837,6 +23103,7 @@
               <a:rPr lang="en-US" altLang="zh-CN"/>
               <a:t>-1] into about equal halves and make copies of each half  in arrays B and C</a:t>
             </a:r>
+            <a:endParaRPr lang="en-US" altLang="zh-CN"/>
           </a:p>
           <a:p>
             <a:pPr>
@@ -22848,6 +23115,7 @@
               <a:rPr lang="en-US" altLang="zh-CN"/>
               <a:t>Sort arrays B and C recursively</a:t>
             </a:r>
+            <a:endParaRPr lang="en-US" altLang="zh-CN"/>
           </a:p>
           <a:p>
             <a:pPr>
@@ -22871,6 +23139,7 @@
               <a:rPr lang="en-US" altLang="zh-CN" sz="2400"/>
               <a:t>Repeat the following until no elements remain in one of the arrays:</a:t>
             </a:r>
+            <a:endParaRPr lang="en-US" altLang="zh-CN" sz="2400"/>
           </a:p>
           <a:p>
             <a:pPr lvl="2">
@@ -22882,6 +23151,7 @@
               <a:rPr lang="en-US" altLang="zh-CN" sz="2400"/>
               <a:t>compare the first elements in the remaining unprocessed portions of the arrays</a:t>
             </a:r>
+            <a:endParaRPr lang="en-US" altLang="zh-CN" sz="2400"/>
           </a:p>
           <a:p>
             <a:pPr lvl="2">
@@ -22893,6 +23163,7 @@
               <a:rPr lang="en-US" altLang="zh-CN" sz="2400"/>
               <a:t>copy the smaller of the two into A, while incrementing the index indicating the unprocessed portion of that array </a:t>
             </a:r>
+            <a:endParaRPr lang="en-US" altLang="zh-CN" sz="2400"/>
           </a:p>
           <a:p>
             <a:pPr lvl="1">
@@ -22904,6 +23175,7 @@
               <a:rPr lang="en-US" altLang="zh-CN" sz="2400"/>
               <a:t>Once all elements in one of the arrays are processed, copy the remaining unprocessed elements from the other array into A.</a:t>
             </a:r>
+            <a:endParaRPr lang="en-US" altLang="zh-CN" sz="2400"/>
           </a:p>
           <a:p>
             <a:pPr>
@@ -22956,7 +23228,6 @@
             <a:off x="533400" y="152400"/>
             <a:ext cx="7664450" cy="685800"/>
           </a:xfrm>
-          <a:ln/>
         </p:spPr>
         <p:txBody>
           <a:bodyPr anchor="b"/>
@@ -22966,6 +23237,7 @@
               <a:rPr lang="en-US" altLang="zh-CN"/>
               <a:t>Pseudocode of Mergesort</a:t>
             </a:r>
+            <a:endParaRPr lang="en-US" altLang="zh-CN"/>
           </a:p>
         </p:txBody>
       </p:sp>
@@ -22980,7 +23252,7 @@
           </p:nvPr>
         </p:nvPicPr>
         <p:blipFill>
-          <a:blip r:embed="rId3"/>
+          <a:blip r:embed="rId1"/>
           <a:stretch>
             <a:fillRect/>
           </a:stretch>
@@ -22993,7 +23265,6 @@
           <a:solidFill>
             <a:schemeClr val="tx1"/>
           </a:solidFill>
-          <a:ln/>
         </p:spPr>
       </p:pic>
     </p:spTree>
@@ -23036,7 +23307,6 @@
             <a:off x="457200" y="152400"/>
             <a:ext cx="7740650" cy="685800"/>
           </a:xfrm>
-          <a:ln/>
         </p:spPr>
         <p:txBody>
           <a:bodyPr anchor="b"/>
@@ -23046,6 +23316,7 @@
               <a:rPr lang="en-US" altLang="zh-CN"/>
               <a:t>Pseudocode of Merge</a:t>
             </a:r>
+            <a:endParaRPr lang="en-US" altLang="zh-CN"/>
           </a:p>
         </p:txBody>
       </p:sp>
@@ -23060,7 +23331,7 @@
           </p:nvPr>
         </p:nvPicPr>
         <p:blipFill>
-          <a:blip r:embed="rId3"/>
+          <a:blip r:embed="rId1"/>
           <a:stretch>
             <a:fillRect/>
           </a:stretch>
@@ -23073,7 +23344,6 @@
           <a:solidFill>
             <a:schemeClr val="tx1"/>
           </a:solidFill>
-          <a:ln/>
         </p:spPr>
       </p:pic>
       <p:sp>
@@ -23246,6 +23516,11 @@
               </a:rPr>
               <a:t>comparisons</a:t>
             </a:r>
+            <a:endParaRPr lang="en-US" altLang="zh-CN">
+              <a:solidFill>
+                <a:srgbClr val="FF9933"/>
+              </a:solidFill>
+            </a:endParaRPr>
           </a:p>
         </p:txBody>
       </p:sp>
@@ -23408,9 +23683,7 @@
             <p:ph type="title"/>
           </p:nvPr>
         </p:nvSpPr>
-        <p:spPr>
-          <a:ln/>
-        </p:spPr>
+        <p:spPr/>
         <p:txBody>
           <a:bodyPr anchor="b"/>
           <a:lstStyle/>
@@ -23419,6 +23692,7 @@
               <a:rPr lang="en-US" altLang="zh-CN"/>
               <a:t>Mergesort Example</a:t>
             </a:r>
+            <a:endParaRPr lang="en-US" altLang="zh-CN"/>
           </a:p>
         </p:txBody>
       </p:sp>
@@ -23433,7 +23707,7 @@
           </p:nvPr>
         </p:nvPicPr>
         <p:blipFill>
-          <a:blip r:embed="rId3"/>
+          <a:blip r:embed="rId1"/>
           <a:stretch>
             <a:fillRect/>
           </a:stretch>
@@ -23443,7 +23717,6 @@
             <a:off x="1447800" y="1295400"/>
             <a:ext cx="4056063" cy="5105400"/>
           </a:xfrm>
-          <a:ln/>
         </p:spPr>
       </p:pic>
       <p:sp>
@@ -23492,6 +23765,11 @@
               </a:rPr>
               <a:t> starts from merging single elements into sorted pairs.</a:t>
             </a:r>
+            <a:endParaRPr lang="en-US" altLang="zh-CN">
+              <a:solidFill>
+                <a:srgbClr val="FF9933"/>
+              </a:solidFill>
+            </a:endParaRPr>
           </a:p>
         </p:txBody>
       </p:sp>
@@ -23827,7 +24105,6 @@
       </a:bgFillStyleLst>
     </a:fmtScheme>
   </a:themeElements>
-  <a:objectDefaults/>
   <a:extraClrSchemeLst>
     <a:extraClrScheme>
       <a:clrScheme name="">
@@ -24446,8 +24723,6 @@
       </a:bgFillStyleLst>
     </a:fmtScheme>
   </a:themeElements>
-  <a:objectDefaults/>
-  <a:extraClrSchemeLst/>
   <a:extLst>
     <a:ext uri="{05A4C25C-085E-4340-85A3-A5531E510DB2}">
       <thm15:themeFamily xmlns:thm15="http://schemas.microsoft.com/office/thememl/2012/main" name="Office Theme" id="{62F939B6-93AF-4DB8-9C6B-D6C7DFDC589F}" vid="{4A3C46E8-61CC-4603-A589-7422A47A8E4A}"/>
@@ -24736,8 +25011,6 @@
       </a:bgFillStyleLst>
     </a:fmtScheme>
   </a:themeElements>
-  <a:objectDefaults/>
-  <a:extraClrSchemeLst/>
   <a:extLst>
     <a:ext uri="{05A4C25C-085E-4340-85A3-A5531E510DB2}">
       <thm15:themeFamily xmlns:thm15="http://schemas.microsoft.com/office/thememl/2012/main" name="Office Theme" id="{62F939B6-93AF-4DB8-9C6B-D6C7DFDC589F}" vid="{4A3C46E8-61CC-4603-A589-7422A47A8E4A}"/>
